--- a/Presentaties/2Wekelijkse PowerPoint/nieuweppt.pptx
+++ b/Presentaties/2Wekelijkse PowerPoint/nieuweppt.pptx
@@ -5185,7 +5185,7 @@
                 <a:latin typeface="Dosis ExtraLight"/>
                 <a:sym typeface="Dosis ExtraLight"/>
               </a:rPr>
-              <a:t> </a:t>
+              <a:t>  ED1000</a:t>
             </a:r>
           </a:p>
           <a:p>
@@ -5296,7 +5296,27 @@
                 <a:latin typeface="Dosis ExtraLight"/>
                 <a:sym typeface="Dosis ExtraLight"/>
               </a:rPr>
-              <a:t> sensor</a:t>
+              <a:t> sensor/</a:t>
+            </a:r>
+            <a:r>
+              <a:rPr lang="en-US" sz="1600" dirty="0" err="1">
+                <a:solidFill>
+                  <a:srgbClr val="FFFFFF"/>
+                </a:solidFill>
+                <a:latin typeface="Dosis ExtraLight"/>
+                <a:sym typeface="Dosis ExtraLight"/>
+              </a:rPr>
+              <a:t>Sigfox</a:t>
+            </a:r>
+            <a:r>
+              <a:rPr lang="en-US" sz="1600" dirty="0">
+                <a:solidFill>
+                  <a:srgbClr val="FFFFFF"/>
+                </a:solidFill>
+                <a:latin typeface="Dosis ExtraLight"/>
+                <a:sym typeface="Dosis ExtraLight"/>
+              </a:rPr>
+              <a:t> portal</a:t>
             </a:r>
           </a:p>
           <a:p>

--- a/Presentaties/2Wekelijkse PowerPoint/nieuweppt.pptx
+++ b/Presentaties/2Wekelijkse PowerPoint/nieuweppt.pptx
@@ -5,7 +5,7 @@
     <p:sldMasterId id="2147483666" r:id="rId1"/>
   </p:sldMasterIdLst>
   <p:notesMasterIdLst>
-    <p:notesMasterId r:id="rId10"/>
+    <p:notesMasterId r:id="rId11"/>
   </p:notesMasterIdLst>
   <p:sldIdLst>
     <p:sldId id="256" r:id="rId2"/>
@@ -16,36 +16,37 @@
     <p:sldId id="282" r:id="rId7"/>
     <p:sldId id="283" r:id="rId8"/>
     <p:sldId id="284" r:id="rId9"/>
+    <p:sldId id="286" r:id="rId10"/>
   </p:sldIdLst>
   <p:sldSz cx="9144000" cy="5143500" type="screen16x9"/>
   <p:notesSz cx="6858000" cy="9144000"/>
   <p:embeddedFontLst>
     <p:embeddedFont>
       <p:font typeface="Abel" panose="020B0604020202020204" charset="0"/>
-      <p:regular r:id="rId11"/>
+      <p:regular r:id="rId12"/>
     </p:embeddedFont>
     <p:embeddedFont>
       <p:font typeface="Dosis ExtraLight" panose="020B0604020202020204" charset="0"/>
-      <p:regular r:id="rId12"/>
-      <p:bold r:id="rId13"/>
+      <p:regular r:id="rId13"/>
+      <p:bold r:id="rId14"/>
     </p:embeddedFont>
     <p:embeddedFont>
       <p:font typeface="Fira Sans Condensed ExtraLight" panose="020B0604020202020204" charset="0"/>
-      <p:regular r:id="rId14"/>
-      <p:bold r:id="rId15"/>
-      <p:italic r:id="rId16"/>
-      <p:boldItalic r:id="rId17"/>
+      <p:regular r:id="rId15"/>
+      <p:bold r:id="rId16"/>
+      <p:italic r:id="rId17"/>
+      <p:boldItalic r:id="rId18"/>
     </p:embeddedFont>
     <p:embeddedFont>
       <p:font typeface="Josefin Sans" panose="020B0604020202020204" charset="0"/>
-      <p:regular r:id="rId18"/>
-      <p:bold r:id="rId19"/>
-      <p:italic r:id="rId20"/>
-      <p:boldItalic r:id="rId21"/>
+      <p:regular r:id="rId19"/>
+      <p:bold r:id="rId20"/>
+      <p:italic r:id="rId21"/>
+      <p:boldItalic r:id="rId22"/>
     </p:embeddedFont>
     <p:embeddedFont>
       <p:font typeface="Staatliches" panose="020B0604020202020204" charset="0"/>
-      <p:regular r:id="rId22"/>
+      <p:regular r:id="rId23"/>
     </p:embeddedFont>
   </p:embeddedFontLst>
   <p:defaultTextStyle>
@@ -4554,6 +4555,47 @@
           </a:p>
         </p:txBody>
       </p:sp>
+      <p:sp>
+        <p:nvSpPr>
+          <p:cNvPr id="2" name="Tekstvak 1">
+            <a:extLst>
+              <a:ext uri="{FF2B5EF4-FFF2-40B4-BE49-F238E27FC236}">
+                <a16:creationId xmlns:a16="http://schemas.microsoft.com/office/drawing/2014/main" id="{A66613A0-C7E5-4AAF-AC48-37E4D821F6D7}"/>
+              </a:ext>
+            </a:extLst>
+          </p:cNvPr>
+          <p:cNvSpPr txBox="1"/>
+          <p:nvPr/>
+        </p:nvSpPr>
+        <p:spPr>
+          <a:xfrm>
+            <a:off x="0" y="4804946"/>
+            <a:ext cx="185531" cy="338554"/>
+          </a:xfrm>
+          <a:prstGeom prst="rect">
+            <a:avLst/>
+          </a:prstGeom>
+          <a:noFill/>
+        </p:spPr>
+        <p:txBody>
+          <a:bodyPr wrap="square" rtlCol="0">
+            <a:spAutoFit/>
+          </a:bodyPr>
+          <a:lstStyle/>
+          <a:p>
+            <a:r>
+              <a:rPr lang="nl-BE" sz="1600" dirty="0">
+                <a:solidFill>
+                  <a:srgbClr val="FFFFFF"/>
+                </a:solidFill>
+                <a:latin typeface="Dosis ExtraLight"/>
+                <a:sym typeface="Abel"/>
+              </a:rPr>
+              <a:t>2</a:t>
+            </a:r>
+          </a:p>
+        </p:txBody>
+      </p:sp>
     </p:spTree>
   </p:cSld>
   <p:clrMapOvr>
@@ -5052,6 +5094,47 @@
                 <a:sym typeface="Abel"/>
               </a:rPr>
               <a:t>     –     PLC     –     Node.js     -     AMQP</a:t>
+            </a:r>
+          </a:p>
+        </p:txBody>
+      </p:sp>
+      <p:sp>
+        <p:nvSpPr>
+          <p:cNvPr id="8" name="Tekstvak 7">
+            <a:extLst>
+              <a:ext uri="{FF2B5EF4-FFF2-40B4-BE49-F238E27FC236}">
+                <a16:creationId xmlns:a16="http://schemas.microsoft.com/office/drawing/2014/main" id="{07FE98EE-60EE-4B0B-AFDB-515B4EB27F6C}"/>
+              </a:ext>
+            </a:extLst>
+          </p:cNvPr>
+          <p:cNvSpPr txBox="1"/>
+          <p:nvPr/>
+        </p:nvSpPr>
+        <p:spPr>
+          <a:xfrm>
+            <a:off x="0" y="4804946"/>
+            <a:ext cx="185531" cy="338554"/>
+          </a:xfrm>
+          <a:prstGeom prst="rect">
+            <a:avLst/>
+          </a:prstGeom>
+          <a:noFill/>
+        </p:spPr>
+        <p:txBody>
+          <a:bodyPr wrap="square" rtlCol="0">
+            <a:spAutoFit/>
+          </a:bodyPr>
+          <a:lstStyle/>
+          <a:p>
+            <a:r>
+              <a:rPr lang="nl-BE" sz="1600" dirty="0">
+                <a:solidFill>
+                  <a:srgbClr val="FFFFFF"/>
+                </a:solidFill>
+                <a:latin typeface="Dosis ExtraLight"/>
+                <a:sym typeface="Abel"/>
+              </a:rPr>
+              <a:t>3</a:t>
             </a:r>
           </a:p>
         </p:txBody>
@@ -5496,6 +5579,47 @@
           </a:p>
         </p:txBody>
       </p:sp>
+      <p:sp>
+        <p:nvSpPr>
+          <p:cNvPr id="5" name="Tekstvak 4">
+            <a:extLst>
+              <a:ext uri="{FF2B5EF4-FFF2-40B4-BE49-F238E27FC236}">
+                <a16:creationId xmlns:a16="http://schemas.microsoft.com/office/drawing/2014/main" id="{0B047126-0D04-4894-BE18-C65675BA40F0}"/>
+              </a:ext>
+            </a:extLst>
+          </p:cNvPr>
+          <p:cNvSpPr txBox="1"/>
+          <p:nvPr/>
+        </p:nvSpPr>
+        <p:spPr>
+          <a:xfrm>
+            <a:off x="0" y="4804946"/>
+            <a:ext cx="185531" cy="338554"/>
+          </a:xfrm>
+          <a:prstGeom prst="rect">
+            <a:avLst/>
+          </a:prstGeom>
+          <a:noFill/>
+        </p:spPr>
+        <p:txBody>
+          <a:bodyPr wrap="square" rtlCol="0">
+            <a:spAutoFit/>
+          </a:bodyPr>
+          <a:lstStyle/>
+          <a:p>
+            <a:r>
+              <a:rPr lang="nl-BE" sz="1600" dirty="0">
+                <a:solidFill>
+                  <a:srgbClr val="FFFFFF"/>
+                </a:solidFill>
+                <a:latin typeface="Dosis ExtraLight"/>
+                <a:sym typeface="Abel"/>
+              </a:rPr>
+              <a:t>4</a:t>
+            </a:r>
+          </a:p>
+        </p:txBody>
+      </p:sp>
     </p:spTree>
     <p:extLst>
       <p:ext uri="{BB962C8B-B14F-4D97-AF65-F5344CB8AC3E}">
@@ -5801,6 +5925,47 @@
                 <a:sym typeface="Abel"/>
               </a:rPr>
               <a:t>     –     Node.js     -     AMQP</a:t>
+            </a:r>
+          </a:p>
+        </p:txBody>
+      </p:sp>
+      <p:sp>
+        <p:nvSpPr>
+          <p:cNvPr id="6" name="Tekstvak 5">
+            <a:extLst>
+              <a:ext uri="{FF2B5EF4-FFF2-40B4-BE49-F238E27FC236}">
+                <a16:creationId xmlns:a16="http://schemas.microsoft.com/office/drawing/2014/main" id="{109663A0-CBDB-4A59-9712-598711106CA2}"/>
+              </a:ext>
+            </a:extLst>
+          </p:cNvPr>
+          <p:cNvSpPr txBox="1"/>
+          <p:nvPr/>
+        </p:nvSpPr>
+        <p:spPr>
+          <a:xfrm>
+            <a:off x="0" y="4804946"/>
+            <a:ext cx="185531" cy="338554"/>
+          </a:xfrm>
+          <a:prstGeom prst="rect">
+            <a:avLst/>
+          </a:prstGeom>
+          <a:noFill/>
+        </p:spPr>
+        <p:txBody>
+          <a:bodyPr wrap="square" rtlCol="0">
+            <a:spAutoFit/>
+          </a:bodyPr>
+          <a:lstStyle/>
+          <a:p>
+            <a:r>
+              <a:rPr lang="nl-BE" sz="1600" dirty="0">
+                <a:solidFill>
+                  <a:srgbClr val="FFFFFF"/>
+                </a:solidFill>
+                <a:latin typeface="Dosis ExtraLight"/>
+                <a:sym typeface="Abel"/>
+              </a:rPr>
+              <a:t>5</a:t>
             </a:r>
           </a:p>
         </p:txBody>
@@ -6114,6 +6279,47 @@
           </a:p>
         </p:txBody>
       </p:sp>
+      <p:sp>
+        <p:nvSpPr>
+          <p:cNvPr id="6" name="Tekstvak 5">
+            <a:extLst>
+              <a:ext uri="{FF2B5EF4-FFF2-40B4-BE49-F238E27FC236}">
+                <a16:creationId xmlns:a16="http://schemas.microsoft.com/office/drawing/2014/main" id="{507BEA14-EAD9-43C3-B5C5-84260708B00E}"/>
+              </a:ext>
+            </a:extLst>
+          </p:cNvPr>
+          <p:cNvSpPr txBox="1"/>
+          <p:nvPr/>
+        </p:nvSpPr>
+        <p:spPr>
+          <a:xfrm>
+            <a:off x="0" y="4804946"/>
+            <a:ext cx="185531" cy="338554"/>
+          </a:xfrm>
+          <a:prstGeom prst="rect">
+            <a:avLst/>
+          </a:prstGeom>
+          <a:noFill/>
+        </p:spPr>
+        <p:txBody>
+          <a:bodyPr wrap="square" rtlCol="0">
+            <a:spAutoFit/>
+          </a:bodyPr>
+          <a:lstStyle/>
+          <a:p>
+            <a:r>
+              <a:rPr lang="nl-BE" sz="1600" dirty="0">
+                <a:solidFill>
+                  <a:srgbClr val="FFFFFF"/>
+                </a:solidFill>
+                <a:latin typeface="Dosis ExtraLight"/>
+                <a:sym typeface="Abel"/>
+              </a:rPr>
+              <a:t>6</a:t>
+            </a:r>
+          </a:p>
+        </p:txBody>
+      </p:sp>
     </p:spTree>
     <p:extLst>
       <p:ext uri="{BB962C8B-B14F-4D97-AF65-F5344CB8AC3E}">
@@ -6362,6 +6568,47 @@
                 <a:sym typeface="Abel"/>
               </a:rPr>
               <a:t>     -     AMQP</a:t>
+            </a:r>
+          </a:p>
+        </p:txBody>
+      </p:sp>
+      <p:sp>
+        <p:nvSpPr>
+          <p:cNvPr id="6" name="Tekstvak 5">
+            <a:extLst>
+              <a:ext uri="{FF2B5EF4-FFF2-40B4-BE49-F238E27FC236}">
+                <a16:creationId xmlns:a16="http://schemas.microsoft.com/office/drawing/2014/main" id="{DCE19021-3489-40E7-A9B8-A8389830AF33}"/>
+              </a:ext>
+            </a:extLst>
+          </p:cNvPr>
+          <p:cNvSpPr txBox="1"/>
+          <p:nvPr/>
+        </p:nvSpPr>
+        <p:spPr>
+          <a:xfrm>
+            <a:off x="0" y="4804946"/>
+            <a:ext cx="185531" cy="338554"/>
+          </a:xfrm>
+          <a:prstGeom prst="rect">
+            <a:avLst/>
+          </a:prstGeom>
+          <a:noFill/>
+        </p:spPr>
+        <p:txBody>
+          <a:bodyPr wrap="square" rtlCol="0">
+            <a:spAutoFit/>
+          </a:bodyPr>
+          <a:lstStyle/>
+          <a:p>
+            <a:r>
+              <a:rPr lang="nl-BE" sz="1600" dirty="0">
+                <a:solidFill>
+                  <a:srgbClr val="FFFFFF"/>
+                </a:solidFill>
+                <a:latin typeface="Dosis ExtraLight"/>
+                <a:sym typeface="Abel"/>
+              </a:rPr>
+              <a:t>7</a:t>
             </a:r>
           </a:p>
         </p:txBody>
@@ -6503,7 +6750,45 @@
                 <a:latin typeface="Dosis ExtraLight"/>
                 <a:sym typeface="Dosis ExtraLight"/>
               </a:rPr>
-              <a:t>AMQP server setup / research       (MQTT ?)</a:t>
+              <a:t>AMQP server setup </a:t>
+            </a:r>
+            <a:r>
+              <a:rPr lang="en-US" sz="1600">
+                <a:solidFill>
+                  <a:srgbClr val="FFFFFF"/>
+                </a:solidFill>
+                <a:latin typeface="Dosis ExtraLight"/>
+                <a:sym typeface="Dosis ExtraLight"/>
+              </a:rPr>
+              <a:t>/ research</a:t>
+            </a:r>
+          </a:p>
+          <a:p>
+            <a:pPr>
+              <a:buClr>
+                <a:srgbClr val="FFFFFF"/>
+              </a:buClr>
+              <a:buSzPts val="1100"/>
+            </a:pPr>
+            <a:r>
+              <a:rPr lang="en-US" sz="1600">
+                <a:solidFill>
+                  <a:srgbClr val="FFFFFF"/>
+                </a:solidFill>
+                <a:latin typeface="Dosis ExtraLight"/>
+                <a:sym typeface="Dosis ExtraLight"/>
+              </a:rPr>
+              <a:t>(</a:t>
+            </a:r>
+            <a:r>
+              <a:rPr lang="en-US" sz="1600" dirty="0">
+                <a:solidFill>
+                  <a:srgbClr val="FFFFFF"/>
+                </a:solidFill>
+                <a:latin typeface="Dosis ExtraLight"/>
+                <a:sym typeface="Dosis ExtraLight"/>
+              </a:rPr>
+              <a:t>MQTT ?)</a:t>
             </a:r>
           </a:p>
         </p:txBody>
@@ -6590,10 +6875,109 @@
           </a:p>
         </p:txBody>
       </p:sp>
+      <p:sp>
+        <p:nvSpPr>
+          <p:cNvPr id="6" name="Tekstvak 5">
+            <a:extLst>
+              <a:ext uri="{FF2B5EF4-FFF2-40B4-BE49-F238E27FC236}">
+                <a16:creationId xmlns:a16="http://schemas.microsoft.com/office/drawing/2014/main" id="{439DA067-2262-497D-90B8-A709E6BDD27A}"/>
+              </a:ext>
+            </a:extLst>
+          </p:cNvPr>
+          <p:cNvSpPr txBox="1"/>
+          <p:nvPr/>
+        </p:nvSpPr>
+        <p:spPr>
+          <a:xfrm>
+            <a:off x="0" y="4804946"/>
+            <a:ext cx="185531" cy="338554"/>
+          </a:xfrm>
+          <a:prstGeom prst="rect">
+            <a:avLst/>
+          </a:prstGeom>
+          <a:noFill/>
+        </p:spPr>
+        <p:txBody>
+          <a:bodyPr wrap="square" rtlCol="0">
+            <a:spAutoFit/>
+          </a:bodyPr>
+          <a:lstStyle/>
+          <a:p>
+            <a:r>
+              <a:rPr lang="nl-BE" sz="1600" dirty="0">
+                <a:solidFill>
+                  <a:srgbClr val="FFFFFF"/>
+                </a:solidFill>
+                <a:latin typeface="Dosis ExtraLight"/>
+                <a:sym typeface="Abel"/>
+              </a:rPr>
+              <a:t>8</a:t>
+            </a:r>
+          </a:p>
+        </p:txBody>
+      </p:sp>
     </p:spTree>
     <p:extLst>
       <p:ext uri="{BB962C8B-B14F-4D97-AF65-F5344CB8AC3E}">
         <p14:creationId xmlns:p14="http://schemas.microsoft.com/office/powerpoint/2010/main" val="3359684614"/>
+      </p:ext>
+    </p:extLst>
+  </p:cSld>
+  <p:clrMapOvr>
+    <a:masterClrMapping/>
+  </p:clrMapOvr>
+</p:sld>
+</file>
+
+<file path=ppt/slides/slide9.xml><?xml version="1.0" encoding="utf-8"?>
+<p:sld xmlns:a="http://schemas.openxmlformats.org/drawingml/2006/main" xmlns:r="http://schemas.openxmlformats.org/officeDocument/2006/relationships" xmlns:p="http://schemas.openxmlformats.org/presentationml/2006/main">
+  <p:cSld>
+    <p:spTree>
+      <p:nvGrpSpPr>
+        <p:cNvPr id="1" name=""/>
+        <p:cNvGrpSpPr/>
+        <p:nvPr/>
+      </p:nvGrpSpPr>
+      <p:grpSpPr>
+        <a:xfrm>
+          <a:off x="0" y="0"/>
+          <a:ext cx="0" cy="0"/>
+          <a:chOff x="0" y="0"/>
+          <a:chExt cx="0" cy="0"/>
+        </a:xfrm>
+      </p:grpSpPr>
+      <p:sp>
+        <p:nvSpPr>
+          <p:cNvPr id="2" name="Titel 1">
+            <a:extLst>
+              <a:ext uri="{FF2B5EF4-FFF2-40B4-BE49-F238E27FC236}">
+                <a16:creationId xmlns:a16="http://schemas.microsoft.com/office/drawing/2014/main" id="{08A50358-47AB-4061-8AC1-B5BD4E9807FE}"/>
+              </a:ext>
+            </a:extLst>
+          </p:cNvPr>
+          <p:cNvSpPr>
+            <a:spLocks noGrp="1"/>
+          </p:cNvSpPr>
+          <p:nvPr>
+            <p:ph type="ctrTitle"/>
+          </p:nvPr>
+        </p:nvSpPr>
+        <p:spPr/>
+        <p:txBody>
+          <a:bodyPr/>
+          <a:lstStyle/>
+          <a:p>
+            <a:r>
+              <a:rPr lang="nl-BE" dirty="0"/>
+              <a:t>Einde</a:t>
+            </a:r>
+          </a:p>
+        </p:txBody>
+      </p:sp>
+    </p:spTree>
+    <p:extLst>
+      <p:ext uri="{BB962C8B-B14F-4D97-AF65-F5344CB8AC3E}">
+        <p14:creationId xmlns:p14="http://schemas.microsoft.com/office/powerpoint/2010/main" val="2362729687"/>
       </p:ext>
     </p:extLst>
   </p:cSld>

--- a/Presentaties/2Wekelijkse PowerPoint/nieuweppt.pptx
+++ b/Presentaties/2Wekelijkse PowerPoint/nieuweppt.pptx
@@ -5,48 +5,47 @@
     <p:sldMasterId id="2147483666" r:id="rId1"/>
   </p:sldMasterIdLst>
   <p:notesMasterIdLst>
-    <p:notesMasterId r:id="rId11"/>
+    <p:notesMasterId r:id="rId10"/>
   </p:notesMasterIdLst>
   <p:sldIdLst>
     <p:sldId id="256" r:id="rId2"/>
     <p:sldId id="257" r:id="rId3"/>
     <p:sldId id="279" r:id="rId4"/>
     <p:sldId id="280" r:id="rId5"/>
-    <p:sldId id="281" r:id="rId6"/>
-    <p:sldId id="282" r:id="rId7"/>
-    <p:sldId id="283" r:id="rId8"/>
-    <p:sldId id="284" r:id="rId9"/>
-    <p:sldId id="286" r:id="rId10"/>
+    <p:sldId id="282" r:id="rId6"/>
+    <p:sldId id="283" r:id="rId7"/>
+    <p:sldId id="284" r:id="rId8"/>
+    <p:sldId id="286" r:id="rId9"/>
   </p:sldIdLst>
   <p:sldSz cx="9144000" cy="5143500" type="screen16x9"/>
   <p:notesSz cx="6858000" cy="9144000"/>
   <p:embeddedFontLst>
     <p:embeddedFont>
-      <p:font typeface="Abel" panose="020B0604020202020204" charset="0"/>
-      <p:regular r:id="rId12"/>
-    </p:embeddedFont>
-    <p:embeddedFont>
       <p:font typeface="Dosis ExtraLight" panose="020B0604020202020204" charset="0"/>
-      <p:regular r:id="rId13"/>
-      <p:bold r:id="rId14"/>
+      <p:regular r:id="rId11"/>
+      <p:bold r:id="rId12"/>
     </p:embeddedFont>
     <p:embeddedFont>
       <p:font typeface="Fira Sans Condensed ExtraLight" panose="020B0604020202020204" charset="0"/>
-      <p:regular r:id="rId15"/>
-      <p:bold r:id="rId16"/>
-      <p:italic r:id="rId17"/>
-      <p:boldItalic r:id="rId18"/>
+      <p:regular r:id="rId13"/>
+      <p:bold r:id="rId14"/>
+      <p:italic r:id="rId15"/>
+      <p:boldItalic r:id="rId16"/>
+    </p:embeddedFont>
+    <p:embeddedFont>
+      <p:font typeface="Abel" panose="020B0604020202020204" charset="0"/>
+      <p:regular r:id="rId17"/>
     </p:embeddedFont>
     <p:embeddedFont>
       <p:font typeface="Josefin Sans" panose="020B0604020202020204" charset="0"/>
-      <p:regular r:id="rId19"/>
-      <p:bold r:id="rId20"/>
-      <p:italic r:id="rId21"/>
-      <p:boldItalic r:id="rId22"/>
+      <p:regular r:id="rId18"/>
+      <p:bold r:id="rId19"/>
+      <p:italic r:id="rId20"/>
+      <p:boldItalic r:id="rId21"/>
     </p:embeddedFont>
     <p:embeddedFont>
       <p:font typeface="Staatliches" panose="020B0604020202020204" charset="0"/>
-      <p:regular r:id="rId23"/>
+      <p:regular r:id="rId22"/>
     </p:embeddedFont>
   </p:embeddedFontLst>
   <p:defaultTextStyle>
@@ -534,6 +533,11 @@
         </p:txBody>
       </p:sp>
     </p:spTree>
+    <p:extLst>
+      <p:ext uri="{BB962C8B-B14F-4D97-AF65-F5344CB8AC3E}">
+        <p14:creationId xmlns:p14="http://schemas.microsoft.com/office/powerpoint/2010/main" val="418227849"/>
+      </p:ext>
+    </p:extLst>
   </p:cSld>
   <p:clrMap bg1="lt1" tx1="dk1" bg2="dk2" tx2="lt2" accent1="accent1" accent2="accent2" accent3="accent3" accent4="accent4" accent5="accent5" accent6="accent6" hlink="hlink" folHlink="folHlink"/>
   <p:notesStyle>
@@ -865,6 +869,11 @@
         </p:txBody>
       </p:sp>
     </p:spTree>
+    <p:extLst>
+      <p:ext uri="{BB962C8B-B14F-4D97-AF65-F5344CB8AC3E}">
+        <p14:creationId xmlns:p14="http://schemas.microsoft.com/office/powerpoint/2010/main" val="2500931706"/>
+      </p:ext>
+    </p:extLst>
   </p:cSld>
   <p:clrMapOvr>
     <a:masterClrMapping/>
@@ -969,6 +978,11 @@
         </p:txBody>
       </p:sp>
     </p:spTree>
+    <p:extLst>
+      <p:ext uri="{BB962C8B-B14F-4D97-AF65-F5344CB8AC3E}">
+        <p14:creationId xmlns:p14="http://schemas.microsoft.com/office/powerpoint/2010/main" val="512546888"/>
+      </p:ext>
+    </p:extLst>
   </p:cSld>
   <p:clrMapOvr>
     <a:masterClrMapping/>
@@ -1293,7 +1307,7 @@
     </p:spTree>
     <p:extLst>
       <p:ext uri="{BB962C8B-B14F-4D97-AF65-F5344CB8AC3E}">
-        <p14:creationId xmlns:p14="http://schemas.microsoft.com/office/powerpoint/2010/main" val="2111006131"/>
+        <p14:creationId xmlns:p14="http://schemas.microsoft.com/office/powerpoint/2010/main" val="3437007397"/>
       </p:ext>
     </p:extLst>
   </p:cSld>
@@ -1402,7 +1416,7 @@
     </p:spTree>
     <p:extLst>
       <p:ext uri="{BB962C8B-B14F-4D97-AF65-F5344CB8AC3E}">
-        <p14:creationId xmlns:p14="http://schemas.microsoft.com/office/powerpoint/2010/main" val="3437007397"/>
+        <p14:creationId xmlns:p14="http://schemas.microsoft.com/office/powerpoint/2010/main" val="390740076"/>
       </p:ext>
     </p:extLst>
   </p:cSld>
@@ -1413,115 +1427,6 @@
 </file>
 
 <file path=ppt/notesSlides/notesSlide7.xml><?xml version="1.0" encoding="utf-8"?>
-<p:notes xmlns:a="http://schemas.openxmlformats.org/drawingml/2006/main" xmlns:r="http://schemas.openxmlformats.org/officeDocument/2006/relationships" xmlns:p="http://schemas.openxmlformats.org/presentationml/2006/main" showMasterSp="0" showMasterPhAnim="0">
-  <p:cSld>
-    <p:spTree>
-      <p:nvGrpSpPr>
-        <p:cNvPr id="1" name="Shape 313"/>
-        <p:cNvGrpSpPr/>
-        <p:nvPr/>
-      </p:nvGrpSpPr>
-      <p:grpSpPr>
-        <a:xfrm>
-          <a:off x="0" y="0"/>
-          <a:ext cx="0" cy="0"/>
-          <a:chOff x="0" y="0"/>
-          <a:chExt cx="0" cy="0"/>
-        </a:xfrm>
-      </p:grpSpPr>
-      <p:sp>
-        <p:nvSpPr>
-          <p:cNvPr id="314" name="Google Shape;314;g61854c95cc_0_218:notes"/>
-          <p:cNvSpPr>
-            <a:spLocks noGrp="1" noRot="1" noChangeAspect="1"/>
-          </p:cNvSpPr>
-          <p:nvPr>
-            <p:ph type="sldImg" idx="2"/>
-          </p:nvPr>
-        </p:nvSpPr>
-        <p:spPr>
-          <a:xfrm>
-            <a:off x="381000" y="685800"/>
-            <a:ext cx="6096000" cy="3429000"/>
-          </a:xfrm>
-          <a:custGeom>
-            <a:avLst/>
-            <a:gdLst/>
-            <a:ahLst/>
-            <a:cxnLst/>
-            <a:rect l="l" t="t" r="r" b="b"/>
-            <a:pathLst>
-              <a:path w="120000" h="120000" extrusionOk="0">
-                <a:moveTo>
-                  <a:pt x="0" y="0"/>
-                </a:moveTo>
-                <a:lnTo>
-                  <a:pt x="120000" y="0"/>
-                </a:lnTo>
-                <a:lnTo>
-                  <a:pt x="120000" y="120000"/>
-                </a:lnTo>
-                <a:lnTo>
-                  <a:pt x="0" y="120000"/>
-                </a:lnTo>
-                <a:close/>
-              </a:path>
-            </a:pathLst>
-          </a:custGeom>
-        </p:spPr>
-      </p:sp>
-      <p:sp>
-        <p:nvSpPr>
-          <p:cNvPr id="315" name="Google Shape;315;g61854c95cc_0_218:notes"/>
-          <p:cNvSpPr txBox="1">
-            <a:spLocks noGrp="1"/>
-          </p:cNvSpPr>
-          <p:nvPr>
-            <p:ph type="body" idx="1"/>
-          </p:nvPr>
-        </p:nvSpPr>
-        <p:spPr>
-          <a:xfrm>
-            <a:off x="685800" y="4343400"/>
-            <a:ext cx="5486400" cy="4114800"/>
-          </a:xfrm>
-          <a:prstGeom prst="rect">
-            <a:avLst/>
-          </a:prstGeom>
-        </p:spPr>
-        <p:txBody>
-          <a:bodyPr spcFirstLastPara="1" wrap="square" lIns="91425" tIns="91425" rIns="91425" bIns="91425" anchor="t" anchorCtr="0">
-            <a:noAutofit/>
-          </a:bodyPr>
-          <a:lstStyle/>
-          <a:p>
-            <a:pPr marL="0" lvl="0" indent="0" algn="l" rtl="0">
-              <a:spcBef>
-                <a:spcPts val="0"/>
-              </a:spcBef>
-              <a:spcAft>
-                <a:spcPts val="0"/>
-              </a:spcAft>
-              <a:buNone/>
-            </a:pPr>
-            <a:endParaRPr/>
-          </a:p>
-        </p:txBody>
-      </p:sp>
-    </p:spTree>
-    <p:extLst>
-      <p:ext uri="{BB962C8B-B14F-4D97-AF65-F5344CB8AC3E}">
-        <p14:creationId xmlns:p14="http://schemas.microsoft.com/office/powerpoint/2010/main" val="390740076"/>
-      </p:ext>
-    </p:extLst>
-  </p:cSld>
-  <p:clrMapOvr>
-    <a:masterClrMapping/>
-  </p:clrMapOvr>
-</p:notes>
-</file>
-
-<file path=ppt/notesSlides/notesSlide8.xml><?xml version="1.0" encoding="utf-8"?>
 <p:notes xmlns:a="http://schemas.openxmlformats.org/drawingml/2006/main" xmlns:r="http://schemas.openxmlformats.org/officeDocument/2006/relationships" xmlns:p="http://schemas.openxmlformats.org/presentationml/2006/main" showMasterSp="0" showMasterPhAnim="0">
   <p:cSld>
     <p:spTree>
@@ -4175,7 +4080,7 @@
           <p:cNvPr id="313" name="Picture 2" descr="Afbeeldingsresultaat voor enocean">
             <a:extLst>
               <a:ext uri="{FF2B5EF4-FFF2-40B4-BE49-F238E27FC236}">
-                <a16:creationId xmlns:a16="http://schemas.microsoft.com/office/drawing/2014/main" id="{D166BCF5-D56B-42F2-8026-9BA11F1746AB}"/>
+                <a16:creationId xmlns="" xmlns:a16="http://schemas.microsoft.com/office/drawing/2014/main" id="{D166BCF5-D56B-42F2-8026-9BA11F1746AB}"/>
               </a:ext>
             </a:extLst>
           </p:cNvPr>
@@ -4220,7 +4125,7 @@
           <p:cNvPr id="314" name="Picture 4" descr="Afbeeldingsresultaat voor sigfox png">
             <a:extLst>
               <a:ext uri="{FF2B5EF4-FFF2-40B4-BE49-F238E27FC236}">
-                <a16:creationId xmlns:a16="http://schemas.microsoft.com/office/drawing/2014/main" id="{8A10ED0F-E031-4F37-ADEE-FCEC657E6CC3}"/>
+                <a16:creationId xmlns="" xmlns:a16="http://schemas.microsoft.com/office/drawing/2014/main" id="{8A10ED0F-E031-4F37-ADEE-FCEC657E6CC3}"/>
               </a:ext>
             </a:extLst>
           </p:cNvPr>
@@ -4265,7 +4170,7 @@
           <p:cNvPr id="315" name="Picture 8" descr="Afbeeldingsresultaat voor nodejs png">
             <a:extLst>
               <a:ext uri="{FF2B5EF4-FFF2-40B4-BE49-F238E27FC236}">
-                <a16:creationId xmlns:a16="http://schemas.microsoft.com/office/drawing/2014/main" id="{01B66C6D-E5F0-400A-8D1E-088247AD405D}"/>
+                <a16:creationId xmlns="" xmlns:a16="http://schemas.microsoft.com/office/drawing/2014/main" id="{01B66C6D-E5F0-400A-8D1E-088247AD405D}"/>
               </a:ext>
             </a:extLst>
           </p:cNvPr>
@@ -4310,6 +4215,13 @@
   <p:clrMapOvr>
     <a:masterClrMapping/>
   </p:clrMapOvr>
+  <p:timing>
+    <p:tnLst>
+      <p:par>
+        <p:cTn id="1" dur="indefinite" restart="never" nodeType="tmRoot"/>
+      </p:par>
+    </p:tnLst>
+  </p:timing>
 </p:sld>
 </file>
 
@@ -4560,7 +4472,7 @@
           <p:cNvPr id="2" name="Tekstvak 1">
             <a:extLst>
               <a:ext uri="{FF2B5EF4-FFF2-40B4-BE49-F238E27FC236}">
-                <a16:creationId xmlns:a16="http://schemas.microsoft.com/office/drawing/2014/main" id="{A66613A0-C7E5-4AAF-AC48-37E4D821F6D7}"/>
+                <a16:creationId xmlns="" xmlns:a16="http://schemas.microsoft.com/office/drawing/2014/main" id="{A66613A0-C7E5-4AAF-AC48-37E4D821F6D7}"/>
               </a:ext>
             </a:extLst>
           </p:cNvPr>
@@ -4601,6 +4513,13 @@
   <p:clrMapOvr>
     <a:masterClrMapping/>
   </p:clrMapOvr>
+  <p:timing>
+    <p:tnLst>
+      <p:par>
+        <p:cTn id="1" dur="indefinite" restart="never" nodeType="tmRoot"/>
+      </p:par>
+    </p:tnLst>
+  </p:timing>
 </p:sld>
 </file>
 
@@ -4984,7 +4903,7 @@
           <p:cNvPr id="1026" name="Picture 2">
             <a:extLst>
               <a:ext uri="{FF2B5EF4-FFF2-40B4-BE49-F238E27FC236}">
-                <a16:creationId xmlns:a16="http://schemas.microsoft.com/office/drawing/2014/main" id="{DC10AF44-9981-4815-BD0C-67D392253FE2}"/>
+                <a16:creationId xmlns="" xmlns:a16="http://schemas.microsoft.com/office/drawing/2014/main" id="{DC10AF44-9981-4815-BD0C-67D392253FE2}"/>
               </a:ext>
             </a:extLst>
           </p:cNvPr>
@@ -5031,7 +4950,7 @@
           <p:cNvPr id="6" name="Tekstvak 5">
             <a:extLst>
               <a:ext uri="{FF2B5EF4-FFF2-40B4-BE49-F238E27FC236}">
-                <a16:creationId xmlns:a16="http://schemas.microsoft.com/office/drawing/2014/main" id="{D73B2882-9E5A-4FAA-97C8-EE6F3E612679}"/>
+                <a16:creationId xmlns="" xmlns:a16="http://schemas.microsoft.com/office/drawing/2014/main" id="{D73B2882-9E5A-4FAA-97C8-EE6F3E612679}"/>
               </a:ext>
             </a:extLst>
           </p:cNvPr>
@@ -5103,7 +5022,7 @@
           <p:cNvPr id="8" name="Tekstvak 7">
             <a:extLst>
               <a:ext uri="{FF2B5EF4-FFF2-40B4-BE49-F238E27FC236}">
-                <a16:creationId xmlns:a16="http://schemas.microsoft.com/office/drawing/2014/main" id="{07FE98EE-60EE-4B0B-AFDB-515B4EB27F6C}"/>
+                <a16:creationId xmlns="" xmlns:a16="http://schemas.microsoft.com/office/drawing/2014/main" id="{07FE98EE-60EE-4B0B-AFDB-515B4EB27F6C}"/>
               </a:ext>
             </a:extLst>
           </p:cNvPr>
@@ -5149,6 +5068,13 @@
   <p:clrMapOvr>
     <a:masterClrMapping/>
   </p:clrMapOvr>
+  <p:timing>
+    <p:tnLst>
+      <p:par>
+        <p:cTn id="1" dur="indefinite" restart="never" nodeType="tmRoot"/>
+      </p:par>
+    </p:tnLst>
+  </p:timing>
 </p:sld>
 </file>
 
@@ -5232,7 +5158,7 @@
         <p:spPr>
           <a:xfrm>
             <a:off x="856200" y="1115677"/>
-            <a:ext cx="7670400" cy="3416400"/>
+            <a:ext cx="3338113" cy="3416400"/>
           </a:xfrm>
           <a:prstGeom prst="rect">
             <a:avLst/>
@@ -5268,7 +5194,17 @@
                 <a:latin typeface="Dosis ExtraLight"/>
                 <a:sym typeface="Dosis ExtraLight"/>
               </a:rPr>
-              <a:t>  ED1000</a:t>
+              <a:t>  </a:t>
+            </a:r>
+            <a:r>
+              <a:rPr lang="en-US" sz="1600" dirty="0" smtClean="0">
+                <a:solidFill>
+                  <a:srgbClr val="FFFFFF"/>
+                </a:solidFill>
+                <a:latin typeface="Dosis ExtraLight"/>
+                <a:sym typeface="Dosis ExtraLight"/>
+              </a:rPr>
+              <a:t>ED1000</a:t>
             </a:r>
           </a:p>
           <a:p>
@@ -5278,56 +5214,6 @@
               </a:buClr>
               <a:buSzPts val="1100"/>
             </a:pPr>
-            <a:r>
-              <a:rPr lang="en-US" sz="1600" dirty="0" err="1">
-                <a:solidFill>
-                  <a:srgbClr val="FFFFFF"/>
-                </a:solidFill>
-                <a:latin typeface="Dosis ExtraLight"/>
-                <a:sym typeface="Dosis ExtraLight"/>
-              </a:rPr>
-              <a:t>Documentatie</a:t>
-            </a:r>
-            <a:r>
-              <a:rPr lang="en-US" sz="1600" dirty="0">
-                <a:solidFill>
-                  <a:srgbClr val="FFFFFF"/>
-                </a:solidFill>
-                <a:latin typeface="Dosis ExtraLight"/>
-                <a:sym typeface="Dosis ExtraLight"/>
-              </a:rPr>
-              <a:t> module / </a:t>
-            </a:r>
-            <a:r>
-              <a:rPr lang="en-US" sz="1600" dirty="0" err="1">
-                <a:solidFill>
-                  <a:srgbClr val="FFFFFF"/>
-                </a:solidFill>
-                <a:latin typeface="Dosis ExtraLight"/>
-                <a:sym typeface="Dosis ExtraLight"/>
-              </a:rPr>
-              <a:t>vorige</a:t>
-            </a:r>
-            <a:r>
-              <a:rPr lang="en-US" sz="1600" dirty="0">
-                <a:solidFill>
-                  <a:srgbClr val="FFFFFF"/>
-                </a:solidFill>
-                <a:latin typeface="Dosis ExtraLight"/>
-                <a:sym typeface="Dosis ExtraLight"/>
-              </a:rPr>
-              <a:t> </a:t>
-            </a:r>
-            <a:r>
-              <a:rPr lang="en-US" sz="1600" dirty="0" err="1">
-                <a:solidFill>
-                  <a:srgbClr val="FFFFFF"/>
-                </a:solidFill>
-                <a:latin typeface="Dosis ExtraLight"/>
-                <a:sym typeface="Dosis ExtraLight"/>
-              </a:rPr>
-              <a:t>studenten</a:t>
-            </a:r>
             <a:endParaRPr lang="en-US" sz="1600" dirty="0">
               <a:solidFill>
                 <a:srgbClr val="FFFFFF"/>
@@ -5344,6 +5230,26 @@
               <a:buSzPts val="1100"/>
             </a:pPr>
             <a:r>
+              <a:rPr lang="en-US" sz="1600" dirty="0" err="1" smtClean="0">
+                <a:solidFill>
+                  <a:srgbClr val="FFFFFF"/>
+                </a:solidFill>
+                <a:latin typeface="Dosis ExtraLight"/>
+                <a:sym typeface="Dosis ExtraLight"/>
+              </a:rPr>
+              <a:t>Registratie</a:t>
+            </a:r>
+            <a:r>
+              <a:rPr lang="en-US" sz="1600" dirty="0" smtClean="0">
+                <a:solidFill>
+                  <a:srgbClr val="FFFFFF"/>
+                </a:solidFill>
+                <a:latin typeface="Dosis ExtraLight"/>
+                <a:sym typeface="Dosis ExtraLight"/>
+              </a:rPr>
+              <a:t> </a:t>
+            </a:r>
+            <a:r>
               <a:rPr lang="en-US" sz="1600" dirty="0">
                 <a:solidFill>
                   <a:srgbClr val="FFFFFF"/>
@@ -5351,7 +5257,37 @@
                 <a:latin typeface="Dosis ExtraLight"/>
                 <a:sym typeface="Dosis ExtraLight"/>
               </a:rPr>
-              <a:t>Dashboard </a:t>
+              <a:t>sensor/</a:t>
+            </a:r>
+            <a:r>
+              <a:rPr lang="en-US" sz="1600" dirty="0" err="1">
+                <a:solidFill>
+                  <a:srgbClr val="FFFFFF"/>
+                </a:solidFill>
+                <a:latin typeface="Dosis ExtraLight"/>
+                <a:sym typeface="Dosis ExtraLight"/>
+              </a:rPr>
+              <a:t>Sigfox</a:t>
+            </a:r>
+            <a:r>
+              <a:rPr lang="en-US" sz="1600" dirty="0">
+                <a:solidFill>
+                  <a:srgbClr val="FFFFFF"/>
+                </a:solidFill>
+                <a:latin typeface="Dosis ExtraLight"/>
+                <a:sym typeface="Dosis ExtraLight"/>
+              </a:rPr>
+              <a:t> </a:t>
+            </a:r>
+            <a:r>
+              <a:rPr lang="en-US" sz="1600" dirty="0" smtClean="0">
+                <a:solidFill>
+                  <a:srgbClr val="FFFFFF"/>
+                </a:solidFill>
+                <a:latin typeface="Dosis ExtraLight"/>
+                <a:sym typeface="Dosis ExtraLight"/>
+              </a:rPr>
+              <a:t>portal</a:t>
             </a:r>
           </a:p>
           <a:p>
@@ -5361,74 +5297,6 @@
               </a:buClr>
               <a:buSzPts val="1100"/>
             </a:pPr>
-            <a:r>
-              <a:rPr lang="en-US" sz="1600" dirty="0" err="1">
-                <a:solidFill>
-                  <a:srgbClr val="FFFFFF"/>
-                </a:solidFill>
-                <a:latin typeface="Dosis ExtraLight"/>
-                <a:sym typeface="Dosis ExtraLight"/>
-              </a:rPr>
-              <a:t>Registratie</a:t>
-            </a:r>
-            <a:r>
-              <a:rPr lang="en-US" sz="1600" dirty="0">
-                <a:solidFill>
-                  <a:srgbClr val="FFFFFF"/>
-                </a:solidFill>
-                <a:latin typeface="Dosis ExtraLight"/>
-                <a:sym typeface="Dosis ExtraLight"/>
-              </a:rPr>
-              <a:t> sensor/</a:t>
-            </a:r>
-            <a:r>
-              <a:rPr lang="en-US" sz="1600" dirty="0" err="1">
-                <a:solidFill>
-                  <a:srgbClr val="FFFFFF"/>
-                </a:solidFill>
-                <a:latin typeface="Dosis ExtraLight"/>
-                <a:sym typeface="Dosis ExtraLight"/>
-              </a:rPr>
-              <a:t>Sigfox</a:t>
-            </a:r>
-            <a:r>
-              <a:rPr lang="en-US" sz="1600" dirty="0">
-                <a:solidFill>
-                  <a:srgbClr val="FFFFFF"/>
-                </a:solidFill>
-                <a:latin typeface="Dosis ExtraLight"/>
-                <a:sym typeface="Dosis ExtraLight"/>
-              </a:rPr>
-              <a:t> portal</a:t>
-            </a:r>
-          </a:p>
-          <a:p>
-            <a:pPr>
-              <a:buClr>
-                <a:srgbClr val="FFFFFF"/>
-              </a:buClr>
-              <a:buSzPts val="1100"/>
-            </a:pPr>
-            <a:r>
-              <a:rPr lang="en-US" sz="1600" dirty="0">
-                <a:solidFill>
-                  <a:srgbClr val="FFFFFF"/>
-                </a:solidFill>
-                <a:latin typeface="Dosis ExtraLight"/>
-                <a:sym typeface="Dosis ExtraLight"/>
-              </a:rPr>
-              <a:t>API’s </a:t>
-            </a:r>
-            <a:r>
-              <a:rPr lang="en-US" sz="1600" dirty="0" err="1">
-                <a:solidFill>
-                  <a:srgbClr val="FFFFFF"/>
-                </a:solidFill>
-                <a:latin typeface="Dosis ExtraLight"/>
-                <a:sym typeface="Dosis ExtraLight"/>
-              </a:rPr>
-              <a:t>bekeken</a:t>
-            </a:r>
             <a:endParaRPr lang="en-US" sz="1600" dirty="0">
               <a:solidFill>
                 <a:srgbClr val="FFFFFF"/>
@@ -5445,6 +5313,26 @@
               <a:buSzPts val="1100"/>
             </a:pPr>
             <a:r>
+              <a:rPr lang="en-US" sz="1600" dirty="0" err="1" smtClean="0">
+                <a:solidFill>
+                  <a:srgbClr val="FFFFFF"/>
+                </a:solidFill>
+                <a:latin typeface="Dosis ExtraLight"/>
+                <a:sym typeface="Dosis ExtraLight"/>
+              </a:rPr>
+              <a:t>Seriële</a:t>
+            </a:r>
+            <a:r>
+              <a:rPr lang="en-US" sz="1600" dirty="0" smtClean="0">
+                <a:solidFill>
+                  <a:srgbClr val="FFFFFF"/>
+                </a:solidFill>
+                <a:latin typeface="Dosis ExtraLight"/>
+                <a:sym typeface="Dosis ExtraLight"/>
+              </a:rPr>
+              <a:t> </a:t>
+            </a:r>
+            <a:r>
               <a:rPr lang="en-US" sz="1600" dirty="0" err="1">
                 <a:solidFill>
                   <a:srgbClr val="FFFFFF"/>
@@ -5452,7 +5340,7 @@
                 <a:latin typeface="Dosis ExtraLight"/>
                 <a:sym typeface="Dosis ExtraLight"/>
               </a:rPr>
-              <a:t>Seriële</a:t>
+              <a:t>verbinding</a:t>
             </a:r>
             <a:r>
               <a:rPr lang="en-US" sz="1600" dirty="0">
@@ -5472,7 +5360,7 @@
                 <a:latin typeface="Dosis ExtraLight"/>
                 <a:sym typeface="Dosis ExtraLight"/>
               </a:rPr>
-              <a:t>verbinding</a:t>
+              <a:t>gelegd</a:t>
             </a:r>
             <a:r>
               <a:rPr lang="en-US" sz="1600" dirty="0">
@@ -5482,28 +5370,216 @@
                 <a:latin typeface="Dosis ExtraLight"/>
                 <a:sym typeface="Dosis ExtraLight"/>
               </a:rPr>
+              <a:t> met de </a:t>
+            </a:r>
+            <a:r>
+              <a:rPr lang="en-US" sz="1600" dirty="0" smtClean="0">
+                <a:solidFill>
+                  <a:srgbClr val="FFFFFF"/>
+                </a:solidFill>
+                <a:latin typeface="Dosis ExtraLight"/>
+                <a:sym typeface="Dosis ExtraLight"/>
+              </a:rPr>
+              <a:t>module</a:t>
+            </a:r>
+          </a:p>
+          <a:p>
+            <a:pPr>
+              <a:buClr>
+                <a:srgbClr val="FFFFFF"/>
+              </a:buClr>
+              <a:buSzPts val="1100"/>
+            </a:pPr>
+            <a:endParaRPr lang="en-US" sz="1600" dirty="0" smtClean="0">
+              <a:solidFill>
+                <a:srgbClr val="FFFFFF"/>
+              </a:solidFill>
+              <a:latin typeface="Dosis ExtraLight"/>
+              <a:sym typeface="Dosis ExtraLight"/>
+            </a:endParaRPr>
+          </a:p>
+          <a:p>
+            <a:pPr>
+              <a:buClr>
+                <a:srgbClr val="FFFFFF"/>
+              </a:buClr>
+              <a:buSzPts val="1100"/>
+            </a:pPr>
+            <a:r>
+              <a:rPr lang="en-US" sz="1600" dirty="0" err="1">
+                <a:solidFill>
+                  <a:srgbClr val="FFFFFF"/>
+                </a:solidFill>
+                <a:latin typeface="Dosis ExtraLight"/>
+                <a:sym typeface="Dosis ExtraLight"/>
+              </a:rPr>
+              <a:t>Documentatie</a:t>
+            </a:r>
+            <a:r>
+              <a:rPr lang="en-US" sz="1600" dirty="0">
+                <a:solidFill>
+                  <a:srgbClr val="FFFFFF"/>
+                </a:solidFill>
+                <a:latin typeface="Dosis ExtraLight"/>
+                <a:sym typeface="Dosis ExtraLight"/>
+              </a:rPr>
+              <a:t> API’s </a:t>
+            </a:r>
+            <a:r>
+              <a:rPr lang="en-US" sz="1600" dirty="0" err="1">
+                <a:solidFill>
+                  <a:srgbClr val="FFFFFF"/>
+                </a:solidFill>
+                <a:latin typeface="Dosis ExtraLight"/>
+                <a:sym typeface="Dosis ExtraLight"/>
+              </a:rPr>
+              <a:t>bekeken</a:t>
+            </a:r>
+            <a:r>
+              <a:rPr lang="en-US" sz="1600" dirty="0">
+                <a:solidFill>
+                  <a:srgbClr val="FFFFFF"/>
+                </a:solidFill>
+                <a:latin typeface="Dosis ExtraLight"/>
+                <a:sym typeface="Dosis ExtraLight"/>
+              </a:rPr>
+              <a:t>, JSON via </a:t>
+            </a:r>
+            <a:r>
+              <a:rPr lang="en-US" sz="1600" dirty="0" smtClean="0">
+                <a:solidFill>
+                  <a:srgbClr val="FFFFFF"/>
+                </a:solidFill>
+                <a:latin typeface="Dosis ExtraLight"/>
+                <a:sym typeface="Dosis ExtraLight"/>
+              </a:rPr>
+              <a:t>POST </a:t>
+            </a:r>
+            <a:r>
+              <a:rPr lang="en-US" sz="1600" dirty="0">
+                <a:solidFill>
+                  <a:srgbClr val="FFFFFF"/>
+                </a:solidFill>
+                <a:latin typeface="Dosis ExtraLight"/>
+                <a:sym typeface="Dosis ExtraLight"/>
+              </a:rPr>
+              <a:t>(browser</a:t>
+            </a:r>
+            <a:r>
+              <a:rPr lang="en-US" sz="1600" dirty="0" smtClean="0">
+                <a:solidFill>
+                  <a:srgbClr val="FFFFFF"/>
+                </a:solidFill>
+                <a:latin typeface="Dosis ExtraLight"/>
+                <a:sym typeface="Dosis ExtraLight"/>
+              </a:rPr>
+              <a:t>)</a:t>
+            </a:r>
+          </a:p>
+          <a:p>
+            <a:pPr>
+              <a:buClr>
+                <a:srgbClr val="FFFFFF"/>
+              </a:buClr>
+              <a:buSzPts val="1100"/>
+            </a:pPr>
+            <a:endParaRPr lang="en-US" sz="1600" dirty="0">
+              <a:solidFill>
+                <a:srgbClr val="FFFFFF"/>
+              </a:solidFill>
+              <a:latin typeface="Dosis ExtraLight"/>
+              <a:sym typeface="Dosis ExtraLight"/>
+            </a:endParaRPr>
+          </a:p>
+          <a:p>
+            <a:pPr>
+              <a:buClr>
+                <a:srgbClr val="FFFFFF"/>
+              </a:buClr>
+              <a:buSzPts val="1100"/>
+            </a:pPr>
+            <a:r>
+              <a:rPr lang="en-US" sz="1600" dirty="0" smtClean="0">
+                <a:solidFill>
+                  <a:srgbClr val="FFFFFF"/>
+                </a:solidFill>
+                <a:latin typeface="Dosis ExtraLight"/>
+                <a:sym typeface="Dosis ExtraLight"/>
+              </a:rPr>
+              <a:t>Libraries parsing </a:t>
+            </a:r>
+            <a:r>
+              <a:rPr lang="en-US" sz="1600" dirty="0" err="1" smtClean="0">
+                <a:solidFill>
+                  <a:srgbClr val="FFFFFF"/>
+                </a:solidFill>
+                <a:latin typeface="Dosis ExtraLight"/>
+                <a:sym typeface="Dosis ExtraLight"/>
+              </a:rPr>
+              <a:t>sensordata</a:t>
+            </a:r>
+            <a:r>
+              <a:rPr lang="en-US" sz="1600" dirty="0" smtClean="0">
+                <a:solidFill>
+                  <a:srgbClr val="FFFFFF"/>
+                </a:solidFill>
+                <a:latin typeface="Dosis ExtraLight"/>
+                <a:sym typeface="Dosis ExtraLight"/>
+              </a:rPr>
               <a:t> </a:t>
             </a:r>
             <a:r>
-              <a:rPr lang="en-US" sz="1600" dirty="0" err="1">
+              <a:rPr lang="en-US" sz="1600" dirty="0" err="1" smtClean="0">
                 <a:solidFill>
                   <a:srgbClr val="FFFFFF"/>
                 </a:solidFill>
                 <a:latin typeface="Dosis ExtraLight"/>
                 <a:sym typeface="Dosis ExtraLight"/>
               </a:rPr>
-              <a:t>gelegd</a:t>
-            </a:r>
-            <a:r>
-              <a:rPr lang="en-US" sz="1600" dirty="0">
+              <a:t>en</a:t>
+            </a:r>
+            <a:r>
+              <a:rPr lang="en-US" sz="1600" dirty="0" smtClean="0">
                 <a:solidFill>
                   <a:srgbClr val="FFFFFF"/>
                 </a:solidFill>
                 <a:latin typeface="Dosis ExtraLight"/>
                 <a:sym typeface="Dosis ExtraLight"/>
               </a:rPr>
-              <a:t> met de module</a:t>
-            </a:r>
+              <a:t> JSON </a:t>
+            </a:r>
+            <a:r>
+              <a:rPr lang="en-US" sz="1600" dirty="0" err="1" smtClean="0">
+                <a:solidFill>
+                  <a:srgbClr val="FFFFFF"/>
+                </a:solidFill>
+                <a:latin typeface="Dosis ExtraLight"/>
+                <a:sym typeface="Dosis ExtraLight"/>
+              </a:rPr>
+              <a:t>bekeken</a:t>
+            </a:r>
+            <a:endParaRPr lang="en-US" sz="1600" dirty="0" smtClean="0">
+              <a:solidFill>
+                <a:srgbClr val="FFFFFF"/>
+              </a:solidFill>
+              <a:latin typeface="Dosis ExtraLight"/>
+              <a:sym typeface="Dosis ExtraLight"/>
+            </a:endParaRPr>
+          </a:p>
+          <a:p>
+            <a:pPr>
+              <a:buClr>
+                <a:srgbClr val="FFFFFF"/>
+              </a:buClr>
+              <a:buSzPts val="1100"/>
+            </a:pPr>
+            <a:endParaRPr lang="en-US" sz="1600" dirty="0">
+              <a:solidFill>
+                <a:srgbClr val="FFFFFF"/>
+              </a:solidFill>
+              <a:latin typeface="Dosis ExtraLight"/>
+              <a:sym typeface="Dosis ExtraLight"/>
+            </a:endParaRPr>
           </a:p>
         </p:txBody>
       </p:sp>
@@ -5512,7 +5588,7 @@
           <p:cNvPr id="7" name="Tekstvak 6">
             <a:extLst>
               <a:ext uri="{FF2B5EF4-FFF2-40B4-BE49-F238E27FC236}">
-                <a16:creationId xmlns:a16="http://schemas.microsoft.com/office/drawing/2014/main" id="{B8CD5084-64D3-42AA-9238-918A72EFB454}"/>
+                <a16:creationId xmlns="" xmlns:a16="http://schemas.microsoft.com/office/drawing/2014/main" id="{B8CD5084-64D3-42AA-9238-918A72EFB454}"/>
               </a:ext>
             </a:extLst>
           </p:cNvPr>
@@ -5584,7 +5660,7 @@
           <p:cNvPr id="5" name="Tekstvak 4">
             <a:extLst>
               <a:ext uri="{FF2B5EF4-FFF2-40B4-BE49-F238E27FC236}">
-                <a16:creationId xmlns:a16="http://schemas.microsoft.com/office/drawing/2014/main" id="{0B047126-0D04-4894-BE18-C65675BA40F0}"/>
+                <a16:creationId xmlns="" xmlns:a16="http://schemas.microsoft.com/office/drawing/2014/main" id="{0B047126-0D04-4894-BE18-C65675BA40F0}"/>
               </a:ext>
             </a:extLst>
           </p:cNvPr>
@@ -5620,6 +5696,53 @@
           </a:p>
         </p:txBody>
       </p:sp>
+      <p:pic>
+        <p:nvPicPr>
+          <p:cNvPr id="6" name="Picture 2">
+            <a:extLst>
+              <a:ext uri="{FF2B5EF4-FFF2-40B4-BE49-F238E27FC236}">
+                <a16:creationId xmlns="" xmlns:a16="http://schemas.microsoft.com/office/drawing/2014/main" id="{DC10AF44-9981-4815-BD0C-67D392253FE2}"/>
+              </a:ext>
+            </a:extLst>
+          </p:cNvPr>
+          <p:cNvPicPr>
+            <a:picLocks noChangeAspect="1" noChangeArrowheads="1"/>
+          </p:cNvPicPr>
+          <p:nvPr/>
+        </p:nvPicPr>
+        <p:blipFill>
+          <a:blip r:embed="rId3">
+            <a:extLst>
+              <a:ext uri="{28A0092B-C50C-407E-A947-70E740481C1C}">
+                <a14:useLocalDpi xmlns:a14="http://schemas.microsoft.com/office/drawing/2010/main" val="0"/>
+              </a:ext>
+            </a:extLst>
+          </a:blip>
+          <a:srcRect/>
+          <a:stretch>
+            <a:fillRect/>
+          </a:stretch>
+        </p:blipFill>
+        <p:spPr bwMode="auto">
+          <a:xfrm>
+            <a:off x="4194313" y="0"/>
+            <a:ext cx="4949686" cy="5143500"/>
+          </a:xfrm>
+          <a:prstGeom prst="rect">
+            <a:avLst/>
+          </a:prstGeom>
+          <a:noFill/>
+          <a:extLst>
+            <a:ext uri="{909E8E84-426E-40DD-AFC4-6F175D3DCCD1}">
+              <a14:hiddenFill xmlns:a14="http://schemas.microsoft.com/office/drawing/2010/main">
+                <a:solidFill>
+                  <a:srgbClr val="FFFFFF"/>
+                </a:solidFill>
+              </a14:hiddenFill>
+            </a:ext>
+          </a:extLst>
+        </p:spPr>
+      </p:pic>
     </p:spTree>
     <p:extLst>
       <p:ext uri="{BB962C8B-B14F-4D97-AF65-F5344CB8AC3E}">
@@ -5630,6 +5753,13 @@
   <p:clrMapOvr>
     <a:masterClrMapping/>
   </p:clrMapOvr>
+  <p:timing>
+    <p:tnLst>
+      <p:par>
+        <p:cTn id="1" dur="indefinite" restart="never" nodeType="tmRoot"/>
+      </p:par>
+    </p:tnLst>
+  </p:timing>
 </p:sld>
 </file>
 
@@ -5842,7 +5972,7 @@
           <p:cNvPr id="5" name="Tekstvak 4">
             <a:extLst>
               <a:ext uri="{FF2B5EF4-FFF2-40B4-BE49-F238E27FC236}">
-                <a16:creationId xmlns:a16="http://schemas.microsoft.com/office/drawing/2014/main" id="{0F0C3C05-0DD0-46C6-8276-E59BDDCCB4BB}"/>
+                <a16:creationId xmlns="" xmlns:a16="http://schemas.microsoft.com/office/drawing/2014/main" id="{0F0C3C05-0DD0-46C6-8276-E59BDDCCB4BB}"/>
               </a:ext>
             </a:extLst>
           </p:cNvPr>
@@ -5934,7 +6064,7 @@
           <p:cNvPr id="6" name="Tekstvak 5">
             <a:extLst>
               <a:ext uri="{FF2B5EF4-FFF2-40B4-BE49-F238E27FC236}">
-                <a16:creationId xmlns:a16="http://schemas.microsoft.com/office/drawing/2014/main" id="{109663A0-CBDB-4A59-9712-598711106CA2}"/>
+                <a16:creationId xmlns="" xmlns:a16="http://schemas.microsoft.com/office/drawing/2014/main" id="{507BEA14-EAD9-43C3-B5C5-84260708B00E}"/>
               </a:ext>
             </a:extLst>
           </p:cNvPr>
@@ -5965,7 +6095,7 @@
                 <a:latin typeface="Dosis ExtraLight"/>
                 <a:sym typeface="Abel"/>
               </a:rPr>
-              <a:t>5</a:t>
+              <a:t>6</a:t>
             </a:r>
           </a:p>
         </p:txBody>
@@ -5973,13 +6103,20 @@
     </p:spTree>
     <p:extLst>
       <p:ext uri="{BB962C8B-B14F-4D97-AF65-F5344CB8AC3E}">
-        <p14:creationId xmlns:p14="http://schemas.microsoft.com/office/powerpoint/2010/main" val="4042776795"/>
+        <p14:creationId xmlns:p14="http://schemas.microsoft.com/office/powerpoint/2010/main" val="76154937"/>
       </p:ext>
     </p:extLst>
   </p:cSld>
   <p:clrMapOvr>
     <a:masterClrMapping/>
   </p:clrMapOvr>
+  <p:timing>
+    <p:tnLst>
+      <p:par>
+        <p:cTn id="1" dur="indefinite" restart="never" nodeType="tmRoot"/>
+      </p:par>
+    </p:tnLst>
+  </p:timing>
 </p:sld>
 </file>
 
@@ -6044,7 +6181,7 @@
             </a:pPr>
             <a:r>
               <a:rPr lang="nl-BE" dirty="0"/>
-              <a:t>PLC</a:t>
+              <a:t>Node.js</a:t>
             </a:r>
             <a:endParaRPr dirty="0"/>
           </a:p>
@@ -6089,27 +6226,7 @@
                 <a:latin typeface="Dosis ExtraLight"/>
                 <a:sym typeface="Dosis ExtraLight"/>
               </a:rPr>
-              <a:t>Research van KL6581 </a:t>
-            </a:r>
-            <a:r>
-              <a:rPr lang="en-US" sz="1600" dirty="0" err="1">
-                <a:solidFill>
-                  <a:srgbClr val="FFFFFF"/>
-                </a:solidFill>
-                <a:latin typeface="Dosis ExtraLight"/>
-                <a:sym typeface="Dosis ExtraLight"/>
-              </a:rPr>
-              <a:t>en</a:t>
-            </a:r>
-            <a:r>
-              <a:rPr lang="en-US" sz="1600" dirty="0">
-                <a:solidFill>
-                  <a:srgbClr val="FFFFFF"/>
-                </a:solidFill>
-                <a:latin typeface="Dosis ExtraLight"/>
-                <a:sym typeface="Dosis ExtraLight"/>
-              </a:rPr>
-              <a:t> KL6583</a:t>
+              <a:t>,,,</a:t>
             </a:r>
           </a:p>
           <a:p>
@@ -6127,27 +6244,7 @@
                 <a:latin typeface="Dosis ExtraLight"/>
                 <a:sym typeface="Dosis ExtraLight"/>
               </a:rPr>
-              <a:t>PLC </a:t>
-            </a:r>
-            <a:r>
-              <a:rPr lang="en-US" sz="1600" dirty="0" err="1">
-                <a:solidFill>
-                  <a:srgbClr val="FFFFFF"/>
-                </a:solidFill>
-                <a:latin typeface="Dosis ExtraLight"/>
-                <a:sym typeface="Dosis ExtraLight"/>
-              </a:rPr>
-              <a:t>uitgepakt</a:t>
-            </a:r>
-            <a:r>
-              <a:rPr lang="en-US" sz="1600" dirty="0">
-                <a:solidFill>
-                  <a:srgbClr val="FFFFFF"/>
-                </a:solidFill>
-                <a:latin typeface="Dosis ExtraLight"/>
-                <a:sym typeface="Dosis ExtraLight"/>
-              </a:rPr>
-              <a:t> &amp; montage</a:t>
+              <a:t>,,,</a:t>
             </a:r>
           </a:p>
           <a:p>
@@ -6165,25 +6262,8 @@
                 <a:latin typeface="Dosis ExtraLight"/>
                 <a:sym typeface="Dosis ExtraLight"/>
               </a:rPr>
-              <a:t>test </a:t>
-            </a:r>
-            <a:r>
-              <a:rPr lang="en-US" sz="1600" dirty="0" err="1">
-                <a:solidFill>
-                  <a:srgbClr val="FFFFFF"/>
-                </a:solidFill>
-                <a:latin typeface="Dosis ExtraLight"/>
-                <a:sym typeface="Dosis ExtraLight"/>
-              </a:rPr>
-              <a:t>programma</a:t>
-            </a:r>
-            <a:endParaRPr lang="en-US" sz="1600" dirty="0">
-              <a:solidFill>
-                <a:srgbClr val="FFFFFF"/>
-              </a:solidFill>
-              <a:latin typeface="Dosis ExtraLight"/>
-              <a:sym typeface="Dosis ExtraLight"/>
-            </a:endParaRPr>
+              <a:t>,,,</a:t>
+            </a:r>
           </a:p>
         </p:txBody>
       </p:sp>
@@ -6192,7 +6272,7 @@
           <p:cNvPr id="5" name="Tekstvak 4">
             <a:extLst>
               <a:ext uri="{FF2B5EF4-FFF2-40B4-BE49-F238E27FC236}">
-                <a16:creationId xmlns:a16="http://schemas.microsoft.com/office/drawing/2014/main" id="{0F0C3C05-0DD0-46C6-8276-E59BDDCCB4BB}"/>
+                <a16:creationId xmlns="" xmlns:a16="http://schemas.microsoft.com/office/drawing/2014/main" id="{0F0C3C05-0DD0-46C6-8276-E59BDDCCB4BB}"/>
               </a:ext>
             </a:extLst>
           </p:cNvPr>
@@ -6254,7 +6334,7 @@
                 <a:latin typeface="Dosis ExtraLight"/>
                 <a:sym typeface="Abel"/>
               </a:rPr>
-              <a:t>     –     </a:t>
+              <a:t>     –     PLC     –     </a:t>
             </a:r>
             <a:r>
               <a:rPr lang="nl-BE" sz="1200" b="1" dirty="0">
@@ -6264,7 +6344,7 @@
                 <a:latin typeface="Dosis ExtraLight"/>
                 <a:sym typeface="Abel"/>
               </a:rPr>
-              <a:t>PLC</a:t>
+              <a:t>Node.js</a:t>
             </a:r>
             <a:r>
               <a:rPr lang="nl-BE" sz="1200" dirty="0">
@@ -6274,7 +6354,7 @@
                 <a:latin typeface="Dosis ExtraLight"/>
                 <a:sym typeface="Abel"/>
               </a:rPr>
-              <a:t>     –     Node.js     -     AMQP</a:t>
+              <a:t>     -     AMQP</a:t>
             </a:r>
           </a:p>
         </p:txBody>
@@ -6284,7 +6364,7 @@
           <p:cNvPr id="6" name="Tekstvak 5">
             <a:extLst>
               <a:ext uri="{FF2B5EF4-FFF2-40B4-BE49-F238E27FC236}">
-                <a16:creationId xmlns:a16="http://schemas.microsoft.com/office/drawing/2014/main" id="{507BEA14-EAD9-43C3-B5C5-84260708B00E}"/>
+                <a16:creationId xmlns="" xmlns:a16="http://schemas.microsoft.com/office/drawing/2014/main" id="{DCE19021-3489-40E7-A9B8-A8389830AF33}"/>
               </a:ext>
             </a:extLst>
           </p:cNvPr>
@@ -6315,7 +6395,7 @@
                 <a:latin typeface="Dosis ExtraLight"/>
                 <a:sym typeface="Abel"/>
               </a:rPr>
-              <a:t>6</a:t>
+              <a:t>7</a:t>
             </a:r>
           </a:p>
         </p:txBody>
@@ -6323,13 +6403,20 @@
     </p:spTree>
     <p:extLst>
       <p:ext uri="{BB962C8B-B14F-4D97-AF65-F5344CB8AC3E}">
-        <p14:creationId xmlns:p14="http://schemas.microsoft.com/office/powerpoint/2010/main" val="76154937"/>
+        <p14:creationId xmlns:p14="http://schemas.microsoft.com/office/powerpoint/2010/main" val="4118249496"/>
       </p:ext>
     </p:extLst>
   </p:cSld>
   <p:clrMapOvr>
     <a:masterClrMapping/>
   </p:clrMapOvr>
+  <p:timing>
+    <p:tnLst>
+      <p:par>
+        <p:cTn id="1" dur="indefinite" restart="never" nodeType="tmRoot"/>
+      </p:par>
+    </p:tnLst>
+  </p:timing>
 </p:sld>
 </file>
 
@@ -6394,7 +6481,7 @@
             </a:pPr>
             <a:r>
               <a:rPr lang="nl-BE" dirty="0"/>
-              <a:t>Node.js</a:t>
+              <a:t>AMQP</a:t>
             </a:r>
             <a:endParaRPr dirty="0"/>
           </a:p>
@@ -6439,7 +6526,7 @@
                 <a:latin typeface="Dosis ExtraLight"/>
                 <a:sym typeface="Dosis ExtraLight"/>
               </a:rPr>
-              <a:t>,,,</a:t>
+              <a:t>Raspberry Pi setup</a:t>
             </a:r>
           </a:p>
           <a:p>
@@ -6457,7 +6544,17 @@
                 <a:latin typeface="Dosis ExtraLight"/>
                 <a:sym typeface="Dosis ExtraLight"/>
               </a:rPr>
-              <a:t>,,,</a:t>
+              <a:t>AMQP server setup </a:t>
+            </a:r>
+            <a:r>
+              <a:rPr lang="en-US" sz="1600">
+                <a:solidFill>
+                  <a:srgbClr val="FFFFFF"/>
+                </a:solidFill>
+                <a:latin typeface="Dosis ExtraLight"/>
+                <a:sym typeface="Dosis ExtraLight"/>
+              </a:rPr>
+              <a:t>/ research</a:t>
             </a:r>
           </a:p>
           <a:p>
@@ -6468,6 +6565,16 @@
               <a:buSzPts val="1100"/>
             </a:pPr>
             <a:r>
+              <a:rPr lang="en-US" sz="1600">
+                <a:solidFill>
+                  <a:srgbClr val="FFFFFF"/>
+                </a:solidFill>
+                <a:latin typeface="Dosis ExtraLight"/>
+                <a:sym typeface="Dosis ExtraLight"/>
+              </a:rPr>
+              <a:t>(</a:t>
+            </a:r>
+            <a:r>
               <a:rPr lang="en-US" sz="1600" dirty="0">
                 <a:solidFill>
                   <a:srgbClr val="FFFFFF"/>
@@ -6475,7 +6582,7 @@
                 <a:latin typeface="Dosis ExtraLight"/>
                 <a:sym typeface="Dosis ExtraLight"/>
               </a:rPr>
-              <a:t>,,,</a:t>
+              <a:t>MQTT ?)</a:t>
             </a:r>
           </a:p>
         </p:txBody>
@@ -6485,7 +6592,7 @@
           <p:cNvPr id="5" name="Tekstvak 4">
             <a:extLst>
               <a:ext uri="{FF2B5EF4-FFF2-40B4-BE49-F238E27FC236}">
-                <a16:creationId xmlns:a16="http://schemas.microsoft.com/office/drawing/2014/main" id="{0F0C3C05-0DD0-46C6-8276-E59BDDCCB4BB}"/>
+                <a16:creationId xmlns="" xmlns:a16="http://schemas.microsoft.com/office/drawing/2014/main" id="{0F0C3C05-0DD0-46C6-8276-E59BDDCCB4BB}"/>
               </a:ext>
             </a:extLst>
           </p:cNvPr>
@@ -6547,7 +6654,7 @@
                 <a:latin typeface="Dosis ExtraLight"/>
                 <a:sym typeface="Abel"/>
               </a:rPr>
-              <a:t>     –     PLC     –     </a:t>
+              <a:t>     –     PLC     –     Node.js     -     </a:t>
             </a:r>
             <a:r>
               <a:rPr lang="nl-BE" sz="1200" b="1" dirty="0">
@@ -6557,17 +6664,7 @@
                 <a:latin typeface="Dosis ExtraLight"/>
                 <a:sym typeface="Abel"/>
               </a:rPr>
-              <a:t>Node.js</a:t>
-            </a:r>
-            <a:r>
-              <a:rPr lang="nl-BE" sz="1200" dirty="0">
-                <a:solidFill>
-                  <a:schemeClr val="tx1"/>
-                </a:solidFill>
-                <a:latin typeface="Dosis ExtraLight"/>
-                <a:sym typeface="Abel"/>
-              </a:rPr>
-              <a:t>     -     AMQP</a:t>
+              <a:t>AMQP</a:t>
             </a:r>
           </a:p>
         </p:txBody>
@@ -6577,7 +6674,7 @@
           <p:cNvPr id="6" name="Tekstvak 5">
             <a:extLst>
               <a:ext uri="{FF2B5EF4-FFF2-40B4-BE49-F238E27FC236}">
-                <a16:creationId xmlns:a16="http://schemas.microsoft.com/office/drawing/2014/main" id="{DCE19021-3489-40E7-A9B8-A8389830AF33}"/>
+                <a16:creationId xmlns="" xmlns:a16="http://schemas.microsoft.com/office/drawing/2014/main" id="{439DA067-2262-497D-90B8-A709E6BDD27A}"/>
               </a:ext>
             </a:extLst>
           </p:cNvPr>
@@ -6608,309 +6705,6 @@
                 <a:latin typeface="Dosis ExtraLight"/>
                 <a:sym typeface="Abel"/>
               </a:rPr>
-              <a:t>7</a:t>
-            </a:r>
-          </a:p>
-        </p:txBody>
-      </p:sp>
-    </p:spTree>
-    <p:extLst>
-      <p:ext uri="{BB962C8B-B14F-4D97-AF65-F5344CB8AC3E}">
-        <p14:creationId xmlns:p14="http://schemas.microsoft.com/office/powerpoint/2010/main" val="4118249496"/>
-      </p:ext>
-    </p:extLst>
-  </p:cSld>
-  <p:clrMapOvr>
-    <a:masterClrMapping/>
-  </p:clrMapOvr>
-</p:sld>
-</file>
-
-<file path=ppt/slides/slide8.xml><?xml version="1.0" encoding="utf-8"?>
-<p:sld xmlns:a="http://schemas.openxmlformats.org/drawingml/2006/main" xmlns:r="http://schemas.openxmlformats.org/officeDocument/2006/relationships" xmlns:p="http://schemas.openxmlformats.org/presentationml/2006/main">
-  <p:cSld>
-    <p:bg>
-      <p:bgPr>
-        <a:solidFill>
-          <a:schemeClr val="lt2"/>
-        </a:solidFill>
-        <a:effectLst/>
-      </p:bgPr>
-    </p:bg>
-    <p:spTree>
-      <p:nvGrpSpPr>
-        <p:cNvPr id="1" name="Shape 316"/>
-        <p:cNvGrpSpPr/>
-        <p:nvPr/>
-      </p:nvGrpSpPr>
-      <p:grpSpPr>
-        <a:xfrm>
-          <a:off x="0" y="0"/>
-          <a:ext cx="0" cy="0"/>
-          <a:chOff x="0" y="0"/>
-          <a:chExt cx="0" cy="0"/>
-        </a:xfrm>
-      </p:grpSpPr>
-      <p:sp>
-        <p:nvSpPr>
-          <p:cNvPr id="317" name="Google Shape;317;p22"/>
-          <p:cNvSpPr txBox="1">
-            <a:spLocks noGrp="1"/>
-          </p:cNvSpPr>
-          <p:nvPr>
-            <p:ph type="ctrTitle"/>
-          </p:nvPr>
-        </p:nvSpPr>
-        <p:spPr>
-          <a:xfrm>
-            <a:off x="0" y="0"/>
-            <a:ext cx="7264500" cy="504000"/>
-          </a:xfrm>
-          <a:prstGeom prst="rect">
-            <a:avLst/>
-          </a:prstGeom>
-        </p:spPr>
-        <p:txBody>
-          <a:bodyPr spcFirstLastPara="1" wrap="square" lIns="91425" tIns="91425" rIns="91425" bIns="91425" anchor="t" anchorCtr="0">
-            <a:noAutofit/>
-          </a:bodyPr>
-          <a:lstStyle/>
-          <a:p>
-            <a:pPr marL="0" lvl="0" indent="0" algn="l" rtl="0">
-              <a:spcBef>
-                <a:spcPts val="0"/>
-              </a:spcBef>
-              <a:spcAft>
-                <a:spcPts val="0"/>
-              </a:spcAft>
-              <a:buNone/>
-            </a:pPr>
-            <a:r>
-              <a:rPr lang="nl-BE" dirty="0"/>
-              <a:t>AMQP</a:t>
-            </a:r>
-            <a:endParaRPr dirty="0"/>
-          </a:p>
-        </p:txBody>
-      </p:sp>
-      <p:sp>
-        <p:nvSpPr>
-          <p:cNvPr id="318" name="Google Shape;318;p22"/>
-          <p:cNvSpPr txBox="1">
-            <a:spLocks noGrp="1"/>
-          </p:cNvSpPr>
-          <p:nvPr>
-            <p:ph type="subTitle" idx="1"/>
-          </p:nvPr>
-        </p:nvSpPr>
-        <p:spPr>
-          <a:xfrm>
-            <a:off x="856200" y="1115677"/>
-            <a:ext cx="7670400" cy="3416400"/>
-          </a:xfrm>
-          <a:prstGeom prst="rect">
-            <a:avLst/>
-          </a:prstGeom>
-        </p:spPr>
-        <p:txBody>
-          <a:bodyPr spcFirstLastPara="1" wrap="square" lIns="91425" tIns="91425" rIns="91425" bIns="91425" anchor="t" anchorCtr="0">
-            <a:noAutofit/>
-          </a:bodyPr>
-          <a:lstStyle/>
-          <a:p>
-            <a:pPr>
-              <a:buClr>
-                <a:srgbClr val="FFFFFF"/>
-              </a:buClr>
-              <a:buSzPts val="1100"/>
-            </a:pPr>
-            <a:r>
-              <a:rPr lang="en-US" sz="1600" dirty="0">
-                <a:solidFill>
-                  <a:srgbClr val="FFFFFF"/>
-                </a:solidFill>
-                <a:latin typeface="Dosis ExtraLight"/>
-                <a:sym typeface="Dosis ExtraLight"/>
-              </a:rPr>
-              <a:t>Raspberry Pi setup</a:t>
-            </a:r>
-          </a:p>
-          <a:p>
-            <a:pPr>
-              <a:buClr>
-                <a:srgbClr val="FFFFFF"/>
-              </a:buClr>
-              <a:buSzPts val="1100"/>
-            </a:pPr>
-            <a:r>
-              <a:rPr lang="en-US" sz="1600" dirty="0">
-                <a:solidFill>
-                  <a:srgbClr val="FFFFFF"/>
-                </a:solidFill>
-                <a:latin typeface="Dosis ExtraLight"/>
-                <a:sym typeface="Dosis ExtraLight"/>
-              </a:rPr>
-              <a:t>AMQP server setup </a:t>
-            </a:r>
-            <a:r>
-              <a:rPr lang="en-US" sz="1600">
-                <a:solidFill>
-                  <a:srgbClr val="FFFFFF"/>
-                </a:solidFill>
-                <a:latin typeface="Dosis ExtraLight"/>
-                <a:sym typeface="Dosis ExtraLight"/>
-              </a:rPr>
-              <a:t>/ research</a:t>
-            </a:r>
-          </a:p>
-          <a:p>
-            <a:pPr>
-              <a:buClr>
-                <a:srgbClr val="FFFFFF"/>
-              </a:buClr>
-              <a:buSzPts val="1100"/>
-            </a:pPr>
-            <a:r>
-              <a:rPr lang="en-US" sz="1600">
-                <a:solidFill>
-                  <a:srgbClr val="FFFFFF"/>
-                </a:solidFill>
-                <a:latin typeface="Dosis ExtraLight"/>
-                <a:sym typeface="Dosis ExtraLight"/>
-              </a:rPr>
-              <a:t>(</a:t>
-            </a:r>
-            <a:r>
-              <a:rPr lang="en-US" sz="1600" dirty="0">
-                <a:solidFill>
-                  <a:srgbClr val="FFFFFF"/>
-                </a:solidFill>
-                <a:latin typeface="Dosis ExtraLight"/>
-                <a:sym typeface="Dosis ExtraLight"/>
-              </a:rPr>
-              <a:t>MQTT ?)</a:t>
-            </a:r>
-          </a:p>
-        </p:txBody>
-      </p:sp>
-      <p:sp>
-        <p:nvSpPr>
-          <p:cNvPr id="5" name="Tekstvak 4">
-            <a:extLst>
-              <a:ext uri="{FF2B5EF4-FFF2-40B4-BE49-F238E27FC236}">
-                <a16:creationId xmlns:a16="http://schemas.microsoft.com/office/drawing/2014/main" id="{0F0C3C05-0DD0-46C6-8276-E59BDDCCB4BB}"/>
-              </a:ext>
-            </a:extLst>
-          </p:cNvPr>
-          <p:cNvSpPr txBox="1"/>
-          <p:nvPr/>
-        </p:nvSpPr>
-        <p:spPr>
-          <a:xfrm>
-            <a:off x="5307496" y="4866501"/>
-            <a:ext cx="3836503" cy="276999"/>
-          </a:xfrm>
-          <a:prstGeom prst="rect">
-            <a:avLst/>
-          </a:prstGeom>
-          <a:noFill/>
-        </p:spPr>
-        <p:txBody>
-          <a:bodyPr wrap="square" rtlCol="0">
-            <a:spAutoFit/>
-          </a:bodyPr>
-          <a:lstStyle/>
-          <a:p>
-            <a:pPr algn="r"/>
-            <a:r>
-              <a:rPr lang="nl-BE" sz="1200" dirty="0" err="1">
-                <a:solidFill>
-                  <a:schemeClr val="tx1"/>
-                </a:solidFill>
-                <a:latin typeface="Dosis ExtraLight"/>
-                <a:sym typeface="Abel"/>
-              </a:rPr>
-              <a:t>FlowChart</a:t>
-            </a:r>
-            <a:r>
-              <a:rPr lang="nl-BE" sz="1200" dirty="0">
-                <a:solidFill>
-                  <a:schemeClr val="tx1"/>
-                </a:solidFill>
-                <a:latin typeface="Dosis ExtraLight"/>
-                <a:sym typeface="Abel"/>
-              </a:rPr>
-              <a:t>     –     </a:t>
-            </a:r>
-            <a:r>
-              <a:rPr lang="nl-BE" sz="1200" dirty="0" err="1">
-                <a:solidFill>
-                  <a:schemeClr val="tx1"/>
-                </a:solidFill>
-                <a:latin typeface="Dosis ExtraLight"/>
-                <a:sym typeface="Abel"/>
-              </a:rPr>
-              <a:t>SigFox</a:t>
-            </a:r>
-            <a:r>
-              <a:rPr lang="nl-BE" sz="1200" dirty="0">
-                <a:solidFill>
-                  <a:schemeClr val="tx1"/>
-                </a:solidFill>
-                <a:latin typeface="Dosis ExtraLight"/>
-                <a:sym typeface="Abel"/>
-              </a:rPr>
-              <a:t>     –     PLC     –     Node.js     -     </a:t>
-            </a:r>
-            <a:r>
-              <a:rPr lang="nl-BE" sz="1200" b="1" dirty="0">
-                <a:solidFill>
-                  <a:schemeClr val="tx1"/>
-                </a:solidFill>
-                <a:latin typeface="Dosis ExtraLight"/>
-                <a:sym typeface="Abel"/>
-              </a:rPr>
-              <a:t>AMQP</a:t>
-            </a:r>
-          </a:p>
-        </p:txBody>
-      </p:sp>
-      <p:sp>
-        <p:nvSpPr>
-          <p:cNvPr id="6" name="Tekstvak 5">
-            <a:extLst>
-              <a:ext uri="{FF2B5EF4-FFF2-40B4-BE49-F238E27FC236}">
-                <a16:creationId xmlns:a16="http://schemas.microsoft.com/office/drawing/2014/main" id="{439DA067-2262-497D-90B8-A709E6BDD27A}"/>
-              </a:ext>
-            </a:extLst>
-          </p:cNvPr>
-          <p:cNvSpPr txBox="1"/>
-          <p:nvPr/>
-        </p:nvSpPr>
-        <p:spPr>
-          <a:xfrm>
-            <a:off x="0" y="4804946"/>
-            <a:ext cx="185531" cy="338554"/>
-          </a:xfrm>
-          <a:prstGeom prst="rect">
-            <a:avLst/>
-          </a:prstGeom>
-          <a:noFill/>
-        </p:spPr>
-        <p:txBody>
-          <a:bodyPr wrap="square" rtlCol="0">
-            <a:spAutoFit/>
-          </a:bodyPr>
-          <a:lstStyle/>
-          <a:p>
-            <a:r>
-              <a:rPr lang="nl-BE" sz="1600" dirty="0">
-                <a:solidFill>
-                  <a:srgbClr val="FFFFFF"/>
-                </a:solidFill>
-                <a:latin typeface="Dosis ExtraLight"/>
-                <a:sym typeface="Abel"/>
-              </a:rPr>
               <a:t>8</a:t>
             </a:r>
           </a:p>
@@ -6926,10 +6720,17 @@
   <p:clrMapOvr>
     <a:masterClrMapping/>
   </p:clrMapOvr>
+  <p:timing>
+    <p:tnLst>
+      <p:par>
+        <p:cTn id="1" dur="indefinite" restart="never" nodeType="tmRoot"/>
+      </p:par>
+    </p:tnLst>
+  </p:timing>
 </p:sld>
 </file>
 
-<file path=ppt/slides/slide9.xml><?xml version="1.0" encoding="utf-8"?>
+<file path=ppt/slides/slide8.xml><?xml version="1.0" encoding="utf-8"?>
 <p:sld xmlns:a="http://schemas.openxmlformats.org/drawingml/2006/main" xmlns:r="http://schemas.openxmlformats.org/officeDocument/2006/relationships" xmlns:p="http://schemas.openxmlformats.org/presentationml/2006/main">
   <p:cSld>
     <p:spTree>
@@ -6951,7 +6752,7 @@
           <p:cNvPr id="2" name="Titel 1">
             <a:extLst>
               <a:ext uri="{FF2B5EF4-FFF2-40B4-BE49-F238E27FC236}">
-                <a16:creationId xmlns:a16="http://schemas.microsoft.com/office/drawing/2014/main" id="{08A50358-47AB-4061-8AC1-B5BD4E9807FE}"/>
+                <a16:creationId xmlns="" xmlns:a16="http://schemas.microsoft.com/office/drawing/2014/main" id="{08A50358-47AB-4061-8AC1-B5BD4E9807FE}"/>
               </a:ext>
             </a:extLst>
           </p:cNvPr>

--- a/Presentaties/2Wekelijkse PowerPoint/nieuweppt.pptx
+++ b/Presentaties/2Wekelijkse PowerPoint/nieuweppt.pptx
@@ -21,27 +21,27 @@
   <p:notesSz cx="6858000" cy="9144000"/>
   <p:embeddedFontLst>
     <p:embeddedFont>
-      <p:font typeface="Dosis ExtraLight" panose="020B0604020202020204" charset="0"/>
+      <p:font typeface="Fira Sans Condensed ExtraLight" panose="020B0604020202020204" charset="0"/>
       <p:regular r:id="rId11"/>
       <p:bold r:id="rId12"/>
+      <p:italic r:id="rId13"/>
+      <p:boldItalic r:id="rId14"/>
     </p:embeddedFont>
     <p:embeddedFont>
-      <p:font typeface="Fira Sans Condensed ExtraLight" panose="020B0604020202020204" charset="0"/>
-      <p:regular r:id="rId13"/>
-      <p:bold r:id="rId14"/>
-      <p:italic r:id="rId15"/>
-      <p:boldItalic r:id="rId16"/>
+      <p:font typeface="Josefin Sans" panose="020B0604020202020204" charset="0"/>
+      <p:regular r:id="rId15"/>
+      <p:bold r:id="rId16"/>
+      <p:italic r:id="rId17"/>
+      <p:boldItalic r:id="rId18"/>
     </p:embeddedFont>
     <p:embeddedFont>
       <p:font typeface="Abel" panose="020B0604020202020204" charset="0"/>
-      <p:regular r:id="rId17"/>
+      <p:regular r:id="rId19"/>
     </p:embeddedFont>
     <p:embeddedFont>
-      <p:font typeface="Josefin Sans" panose="020B0604020202020204" charset="0"/>
-      <p:regular r:id="rId18"/>
-      <p:bold r:id="rId19"/>
-      <p:italic r:id="rId20"/>
-      <p:boldItalic r:id="rId21"/>
+      <p:font typeface="Dosis ExtraLight" panose="020B0604020202020204" charset="0"/>
+      <p:regular r:id="rId20"/>
+      <p:bold r:id="rId21"/>
     </p:embeddedFont>
     <p:embeddedFont>
       <p:font typeface="Staatliches" panose="020B0604020202020204" charset="0"/>
@@ -4080,7 +4080,7 @@
           <p:cNvPr id="313" name="Picture 2" descr="Afbeeldingsresultaat voor enocean">
             <a:extLst>
               <a:ext uri="{FF2B5EF4-FFF2-40B4-BE49-F238E27FC236}">
-                <a16:creationId xmlns="" xmlns:a16="http://schemas.microsoft.com/office/drawing/2014/main" id="{D166BCF5-D56B-42F2-8026-9BA11F1746AB}"/>
+                <a16:creationId xmlns:a16="http://schemas.microsoft.com/office/drawing/2014/main" id="{D166BCF5-D56B-42F2-8026-9BA11F1746AB}"/>
               </a:ext>
             </a:extLst>
           </p:cNvPr>
@@ -4125,7 +4125,7 @@
           <p:cNvPr id="314" name="Picture 4" descr="Afbeeldingsresultaat voor sigfox png">
             <a:extLst>
               <a:ext uri="{FF2B5EF4-FFF2-40B4-BE49-F238E27FC236}">
-                <a16:creationId xmlns="" xmlns:a16="http://schemas.microsoft.com/office/drawing/2014/main" id="{8A10ED0F-E031-4F37-ADEE-FCEC657E6CC3}"/>
+                <a16:creationId xmlns:a16="http://schemas.microsoft.com/office/drawing/2014/main" id="{8A10ED0F-E031-4F37-ADEE-FCEC657E6CC3}"/>
               </a:ext>
             </a:extLst>
           </p:cNvPr>
@@ -4170,7 +4170,7 @@
           <p:cNvPr id="315" name="Picture 8" descr="Afbeeldingsresultaat voor nodejs png">
             <a:extLst>
               <a:ext uri="{FF2B5EF4-FFF2-40B4-BE49-F238E27FC236}">
-                <a16:creationId xmlns="" xmlns:a16="http://schemas.microsoft.com/office/drawing/2014/main" id="{01B66C6D-E5F0-400A-8D1E-088247AD405D}"/>
+                <a16:creationId xmlns:a16="http://schemas.microsoft.com/office/drawing/2014/main" id="{01B66C6D-E5F0-400A-8D1E-088247AD405D}"/>
               </a:ext>
             </a:extLst>
           </p:cNvPr>
@@ -4472,7 +4472,7 @@
           <p:cNvPr id="2" name="Tekstvak 1">
             <a:extLst>
               <a:ext uri="{FF2B5EF4-FFF2-40B4-BE49-F238E27FC236}">
-                <a16:creationId xmlns="" xmlns:a16="http://schemas.microsoft.com/office/drawing/2014/main" id="{A66613A0-C7E5-4AAF-AC48-37E4D821F6D7}"/>
+                <a16:creationId xmlns:a16="http://schemas.microsoft.com/office/drawing/2014/main" id="{A66613A0-C7E5-4AAF-AC48-37E4D821F6D7}"/>
               </a:ext>
             </a:extLst>
           </p:cNvPr>
@@ -4903,7 +4903,7 @@
           <p:cNvPr id="1026" name="Picture 2">
             <a:extLst>
               <a:ext uri="{FF2B5EF4-FFF2-40B4-BE49-F238E27FC236}">
-                <a16:creationId xmlns="" xmlns:a16="http://schemas.microsoft.com/office/drawing/2014/main" id="{DC10AF44-9981-4815-BD0C-67D392253FE2}"/>
+                <a16:creationId xmlns:a16="http://schemas.microsoft.com/office/drawing/2014/main" id="{DC10AF44-9981-4815-BD0C-67D392253FE2}"/>
               </a:ext>
             </a:extLst>
           </p:cNvPr>
@@ -4950,7 +4950,7 @@
           <p:cNvPr id="6" name="Tekstvak 5">
             <a:extLst>
               <a:ext uri="{FF2B5EF4-FFF2-40B4-BE49-F238E27FC236}">
-                <a16:creationId xmlns="" xmlns:a16="http://schemas.microsoft.com/office/drawing/2014/main" id="{D73B2882-9E5A-4FAA-97C8-EE6F3E612679}"/>
+                <a16:creationId xmlns:a16="http://schemas.microsoft.com/office/drawing/2014/main" id="{D73B2882-9E5A-4FAA-97C8-EE6F3E612679}"/>
               </a:ext>
             </a:extLst>
           </p:cNvPr>
@@ -5022,7 +5022,7 @@
           <p:cNvPr id="8" name="Tekstvak 7">
             <a:extLst>
               <a:ext uri="{FF2B5EF4-FFF2-40B4-BE49-F238E27FC236}">
-                <a16:creationId xmlns="" xmlns:a16="http://schemas.microsoft.com/office/drawing/2014/main" id="{07FE98EE-60EE-4B0B-AFDB-515B4EB27F6C}"/>
+                <a16:creationId xmlns:a16="http://schemas.microsoft.com/office/drawing/2014/main" id="{07FE98EE-60EE-4B0B-AFDB-515B4EB27F6C}"/>
               </a:ext>
             </a:extLst>
           </p:cNvPr>
@@ -5588,7 +5588,7 @@
           <p:cNvPr id="7" name="Tekstvak 6">
             <a:extLst>
               <a:ext uri="{FF2B5EF4-FFF2-40B4-BE49-F238E27FC236}">
-                <a16:creationId xmlns="" xmlns:a16="http://schemas.microsoft.com/office/drawing/2014/main" id="{B8CD5084-64D3-42AA-9238-918A72EFB454}"/>
+                <a16:creationId xmlns:a16="http://schemas.microsoft.com/office/drawing/2014/main" id="{B8CD5084-64D3-42AA-9238-918A72EFB454}"/>
               </a:ext>
             </a:extLst>
           </p:cNvPr>
@@ -5660,7 +5660,7 @@
           <p:cNvPr id="5" name="Tekstvak 4">
             <a:extLst>
               <a:ext uri="{FF2B5EF4-FFF2-40B4-BE49-F238E27FC236}">
-                <a16:creationId xmlns="" xmlns:a16="http://schemas.microsoft.com/office/drawing/2014/main" id="{0B047126-0D04-4894-BE18-C65675BA40F0}"/>
+                <a16:creationId xmlns:a16="http://schemas.microsoft.com/office/drawing/2014/main" id="{0B047126-0D04-4894-BE18-C65675BA40F0}"/>
               </a:ext>
             </a:extLst>
           </p:cNvPr>
@@ -5701,7 +5701,7 @@
           <p:cNvPr id="6" name="Picture 2">
             <a:extLst>
               <a:ext uri="{FF2B5EF4-FFF2-40B4-BE49-F238E27FC236}">
-                <a16:creationId xmlns="" xmlns:a16="http://schemas.microsoft.com/office/drawing/2014/main" id="{DC10AF44-9981-4815-BD0C-67D392253FE2}"/>
+                <a16:creationId xmlns:a16="http://schemas.microsoft.com/office/drawing/2014/main" id="{DC10AF44-9981-4815-BD0C-67D392253FE2}"/>
               </a:ext>
             </a:extLst>
           </p:cNvPr>
@@ -5972,7 +5972,7 @@
           <p:cNvPr id="5" name="Tekstvak 4">
             <a:extLst>
               <a:ext uri="{FF2B5EF4-FFF2-40B4-BE49-F238E27FC236}">
-                <a16:creationId xmlns="" xmlns:a16="http://schemas.microsoft.com/office/drawing/2014/main" id="{0F0C3C05-0DD0-46C6-8276-E59BDDCCB4BB}"/>
+                <a16:creationId xmlns:a16="http://schemas.microsoft.com/office/drawing/2014/main" id="{0F0C3C05-0DD0-46C6-8276-E59BDDCCB4BB}"/>
               </a:ext>
             </a:extLst>
           </p:cNvPr>
@@ -6064,7 +6064,7 @@
           <p:cNvPr id="6" name="Tekstvak 5">
             <a:extLst>
               <a:ext uri="{FF2B5EF4-FFF2-40B4-BE49-F238E27FC236}">
-                <a16:creationId xmlns="" xmlns:a16="http://schemas.microsoft.com/office/drawing/2014/main" id="{507BEA14-EAD9-43C3-B5C5-84260708B00E}"/>
+                <a16:creationId xmlns:a16="http://schemas.microsoft.com/office/drawing/2014/main" id="{507BEA14-EAD9-43C3-B5C5-84260708B00E}"/>
               </a:ext>
             </a:extLst>
           </p:cNvPr>
@@ -6212,58 +6212,212 @@
           </a:bodyPr>
           <a:lstStyle/>
           <a:p>
-            <a:pPr>
-              <a:buClr>
-                <a:srgbClr val="FFFFFF"/>
-              </a:buClr>
-              <a:buSzPts val="1100"/>
+            <a:pPr marL="285750" indent="-285750">
+              <a:spcAft>
+                <a:spcPts val="1600"/>
+              </a:spcAft>
             </a:pPr>
             <a:r>
-              <a:rPr lang="en-US" sz="1600" dirty="0">
-                <a:solidFill>
-                  <a:srgbClr val="FFFFFF"/>
-                </a:solidFill>
-                <a:latin typeface="Dosis ExtraLight"/>
-                <a:sym typeface="Dosis ExtraLight"/>
-              </a:rPr>
-              <a:t>,,,</a:t>
-            </a:r>
+              <a:rPr lang="en-US" sz="1600" dirty="0" err="1"/>
+              <a:t>Onderzoek</a:t>
+            </a:r>
+            <a:r>
+              <a:rPr lang="en-US" sz="1600" dirty="0"/>
+              <a:t> over hoe </a:t>
+            </a:r>
+            <a:r>
+              <a:rPr lang="en-US" sz="1600" dirty="0" err="1"/>
+              <a:t>inkomende</a:t>
+            </a:r>
+            <a:r>
+              <a:rPr lang="en-US" sz="1600" dirty="0"/>
+              <a:t> data </a:t>
+            </a:r>
+            <a:r>
+              <a:rPr lang="en-US" sz="1600" dirty="0" err="1"/>
+              <a:t>verwerken</a:t>
+            </a:r>
+            <a:endParaRPr lang="en-US" sz="1600" dirty="0"/>
           </a:p>
           <a:p>
-            <a:pPr>
-              <a:buClr>
-                <a:srgbClr val="FFFFFF"/>
-              </a:buClr>
-              <a:buSzPts val="1100"/>
+            <a:pPr marL="285750" indent="-285750">
+              <a:spcAft>
+                <a:spcPts val="1600"/>
+              </a:spcAft>
             </a:pPr>
             <a:r>
-              <a:rPr lang="en-US" sz="1600" dirty="0">
-                <a:solidFill>
-                  <a:srgbClr val="FFFFFF"/>
-                </a:solidFill>
-                <a:latin typeface="Dosis ExtraLight"/>
-                <a:sym typeface="Dosis ExtraLight"/>
-              </a:rPr>
-              <a:t>,,,</a:t>
-            </a:r>
+              <a:rPr lang="en-US" sz="1600" dirty="0"/>
+              <a:t>Python </a:t>
+            </a:r>
+            <a:r>
+              <a:rPr lang="en-US" sz="1600" dirty="0" err="1"/>
+              <a:t>programma</a:t>
+            </a:r>
+            <a:r>
+              <a:rPr lang="en-US" sz="1600" dirty="0"/>
+              <a:t> </a:t>
+            </a:r>
+            <a:r>
+              <a:rPr lang="en-US" sz="1600" dirty="0" err="1"/>
+              <a:t>gemaakt</a:t>
+            </a:r>
+            <a:r>
+              <a:rPr lang="en-US" sz="1600" dirty="0"/>
+              <a:t> om mimic data </a:t>
+            </a:r>
+            <a:r>
+              <a:rPr lang="en-US" sz="1600" dirty="0" err="1"/>
+              <a:t>te</a:t>
+            </a:r>
+            <a:r>
+              <a:rPr lang="en-US" sz="1600" dirty="0"/>
+              <a:t> </a:t>
+            </a:r>
+            <a:r>
+              <a:rPr lang="en-US" sz="1600" dirty="0" err="1"/>
+              <a:t>creëren</a:t>
+            </a:r>
+            <a:r>
+              <a:rPr lang="en-US" sz="1600" dirty="0"/>
+              <a:t> </a:t>
+            </a:r>
+            <a:r>
+              <a:rPr lang="en-US" sz="1600" dirty="0" err="1"/>
+              <a:t>voor</a:t>
+            </a:r>
+            <a:r>
+              <a:rPr lang="en-US" sz="1600" dirty="0"/>
+              <a:t> </a:t>
+            </a:r>
+            <a:r>
+              <a:rPr lang="en-US" sz="1600" dirty="0" err="1"/>
+              <a:t>te</a:t>
+            </a:r>
+            <a:r>
+              <a:rPr lang="en-US" sz="1600" dirty="0"/>
+              <a:t> </a:t>
+            </a:r>
+            <a:r>
+              <a:rPr lang="en-US" sz="1600" dirty="0" err="1" smtClean="0"/>
+              <a:t>testen</a:t>
+            </a:r>
+            <a:endParaRPr lang="en-US" sz="1600" dirty="0"/>
           </a:p>
           <a:p>
-            <a:pPr>
-              <a:buClr>
-                <a:srgbClr val="FFFFFF"/>
-              </a:buClr>
-              <a:buSzPts val="1100"/>
+            <a:pPr marL="285750" indent="-285750">
+              <a:spcAft>
+                <a:spcPts val="1600"/>
+              </a:spcAft>
             </a:pPr>
             <a:r>
-              <a:rPr lang="en-US" sz="1600" dirty="0">
-                <a:solidFill>
-                  <a:srgbClr val="FFFFFF"/>
-                </a:solidFill>
-                <a:latin typeface="Dosis ExtraLight"/>
-                <a:sym typeface="Dosis ExtraLight"/>
-              </a:rPr>
-              <a:t>,,,</a:t>
-            </a:r>
+              <a:rPr lang="en-US" sz="1600" dirty="0"/>
+              <a:t>Mimic data op </a:t>
+            </a:r>
+            <a:r>
+              <a:rPr lang="en-US" sz="1600" dirty="0" err="1"/>
+              <a:t>een</a:t>
+            </a:r>
+            <a:r>
+              <a:rPr lang="en-US" sz="1600" dirty="0"/>
+              <a:t> SQL </a:t>
+            </a:r>
+            <a:r>
+              <a:rPr lang="en-US" sz="1600" dirty="0" err="1"/>
+              <a:t>tabel</a:t>
+            </a:r>
+            <a:r>
+              <a:rPr lang="en-US" sz="1600" dirty="0"/>
+              <a:t> </a:t>
+            </a:r>
+            <a:r>
+              <a:rPr lang="en-US" sz="1600" dirty="0" err="1" smtClean="0"/>
+              <a:t>opgeslagen</a:t>
+            </a:r>
+            <a:endParaRPr lang="en-US" sz="1600" dirty="0" smtClean="0"/>
+          </a:p>
+          <a:p>
+            <a:pPr marL="285750" indent="-285750">
+              <a:spcAft>
+                <a:spcPts val="1600"/>
+              </a:spcAft>
+            </a:pPr>
+            <a:r>
+              <a:rPr lang="en-US" sz="1600" dirty="0" err="1" smtClean="0"/>
+              <a:t>Enkel</a:t>
+            </a:r>
+            <a:r>
+              <a:rPr lang="en-US" sz="1600" dirty="0" smtClean="0"/>
+              <a:t> python </a:t>
+            </a:r>
+            <a:r>
+              <a:rPr lang="en-US" sz="1600" dirty="0" err="1" smtClean="0"/>
+              <a:t>zonder</a:t>
+            </a:r>
+            <a:r>
+              <a:rPr lang="en-US" sz="1600" dirty="0" smtClean="0"/>
+              <a:t> </a:t>
+            </a:r>
+            <a:r>
+              <a:rPr lang="en-US" sz="1600" dirty="0" err="1" smtClean="0"/>
+              <a:t>php</a:t>
+            </a:r>
+            <a:r>
+              <a:rPr lang="en-US" sz="1600" dirty="0" smtClean="0"/>
+              <a:t> scripts</a:t>
+            </a:r>
+            <a:endParaRPr lang="en-US" sz="1600" dirty="0"/>
+          </a:p>
+          <a:p>
+            <a:pPr marL="285750" indent="-285750">
+              <a:spcAft>
+                <a:spcPts val="1600"/>
+              </a:spcAft>
+            </a:pPr>
+            <a:r>
+              <a:rPr lang="en-US" sz="1600" dirty="0" err="1" smtClean="0"/>
+              <a:t>Een</a:t>
+            </a:r>
+            <a:r>
+              <a:rPr lang="en-US" sz="1600" dirty="0" smtClean="0"/>
+              <a:t> </a:t>
+            </a:r>
+            <a:r>
+              <a:rPr lang="en-US" sz="1600" dirty="0" err="1"/>
+              <a:t>grafiek</a:t>
+            </a:r>
+            <a:r>
+              <a:rPr lang="en-US" sz="1600" dirty="0"/>
+              <a:t> met Node.js van test data </a:t>
+            </a:r>
+            <a:r>
+              <a:rPr lang="en-US" sz="1600" dirty="0" err="1"/>
+              <a:t>geprobeerd</a:t>
+            </a:r>
+            <a:r>
+              <a:rPr lang="en-US" sz="1600" dirty="0"/>
+              <a:t> om </a:t>
+            </a:r>
+            <a:r>
+              <a:rPr lang="en-US" sz="1600" dirty="0" err="1"/>
+              <a:t>te</a:t>
+            </a:r>
+            <a:r>
+              <a:rPr lang="en-US" sz="1600" dirty="0"/>
+              <a:t> </a:t>
+            </a:r>
+            <a:r>
+              <a:rPr lang="en-US" sz="1600" dirty="0" err="1" smtClean="0"/>
+              <a:t>maken</a:t>
+            </a:r>
+            <a:endParaRPr lang="en-US" sz="1600" dirty="0" smtClean="0"/>
+          </a:p>
+          <a:p>
+            <a:pPr marL="285750" indent="-285750">
+              <a:spcAft>
+                <a:spcPts val="1600"/>
+              </a:spcAft>
+            </a:pPr>
+            <a:endParaRPr lang="en-US" sz="1600" dirty="0"/>
           </a:p>
         </p:txBody>
       </p:sp>
@@ -6272,7 +6426,7 @@
           <p:cNvPr id="5" name="Tekstvak 4">
             <a:extLst>
               <a:ext uri="{FF2B5EF4-FFF2-40B4-BE49-F238E27FC236}">
-                <a16:creationId xmlns="" xmlns:a16="http://schemas.microsoft.com/office/drawing/2014/main" id="{0F0C3C05-0DD0-46C6-8276-E59BDDCCB4BB}"/>
+                <a16:creationId xmlns:a16="http://schemas.microsoft.com/office/drawing/2014/main" id="{0F0C3C05-0DD0-46C6-8276-E59BDDCCB4BB}"/>
               </a:ext>
             </a:extLst>
           </p:cNvPr>
@@ -6364,7 +6518,7 @@
           <p:cNvPr id="6" name="Tekstvak 5">
             <a:extLst>
               <a:ext uri="{FF2B5EF4-FFF2-40B4-BE49-F238E27FC236}">
-                <a16:creationId xmlns="" xmlns:a16="http://schemas.microsoft.com/office/drawing/2014/main" id="{DCE19021-3489-40E7-A9B8-A8389830AF33}"/>
+                <a16:creationId xmlns:a16="http://schemas.microsoft.com/office/drawing/2014/main" id="{DCE19021-3489-40E7-A9B8-A8389830AF33}"/>
               </a:ext>
             </a:extLst>
           </p:cNvPr>
@@ -6592,7 +6746,7 @@
           <p:cNvPr id="5" name="Tekstvak 4">
             <a:extLst>
               <a:ext uri="{FF2B5EF4-FFF2-40B4-BE49-F238E27FC236}">
-                <a16:creationId xmlns="" xmlns:a16="http://schemas.microsoft.com/office/drawing/2014/main" id="{0F0C3C05-0DD0-46C6-8276-E59BDDCCB4BB}"/>
+                <a16:creationId xmlns:a16="http://schemas.microsoft.com/office/drawing/2014/main" id="{0F0C3C05-0DD0-46C6-8276-E59BDDCCB4BB}"/>
               </a:ext>
             </a:extLst>
           </p:cNvPr>
@@ -6674,7 +6828,7 @@
           <p:cNvPr id="6" name="Tekstvak 5">
             <a:extLst>
               <a:ext uri="{FF2B5EF4-FFF2-40B4-BE49-F238E27FC236}">
-                <a16:creationId xmlns="" xmlns:a16="http://schemas.microsoft.com/office/drawing/2014/main" id="{439DA067-2262-497D-90B8-A709E6BDD27A}"/>
+                <a16:creationId xmlns:a16="http://schemas.microsoft.com/office/drawing/2014/main" id="{439DA067-2262-497D-90B8-A709E6BDD27A}"/>
               </a:ext>
             </a:extLst>
           </p:cNvPr>
@@ -6752,7 +6906,7 @@
           <p:cNvPr id="2" name="Titel 1">
             <a:extLst>
               <a:ext uri="{FF2B5EF4-FFF2-40B4-BE49-F238E27FC236}">
-                <a16:creationId xmlns="" xmlns:a16="http://schemas.microsoft.com/office/drawing/2014/main" id="{08A50358-47AB-4061-8AC1-B5BD4E9807FE}"/>
+                <a16:creationId xmlns:a16="http://schemas.microsoft.com/office/drawing/2014/main" id="{08A50358-47AB-4061-8AC1-B5BD4E9807FE}"/>
               </a:ext>
             </a:extLst>
           </p:cNvPr>

--- a/Presentaties/2Wekelijkse PowerPoint/nieuweppt.pptx
+++ b/Presentaties/2Wekelijkse PowerPoint/nieuweppt.pptx
@@ -13,7 +13,7 @@
     <p:sldId id="279" r:id="rId4"/>
     <p:sldId id="280" r:id="rId5"/>
     <p:sldId id="282" r:id="rId6"/>
-    <p:sldId id="283" r:id="rId7"/>
+    <p:sldId id="287" r:id="rId7"/>
     <p:sldId id="284" r:id="rId8"/>
     <p:sldId id="286" r:id="rId9"/>
   </p:sldIdLst>
@@ -21,27 +21,27 @@
   <p:notesSz cx="6858000" cy="9144000"/>
   <p:embeddedFontLst>
     <p:embeddedFont>
+      <p:font typeface="Abel" panose="020B0604020202020204" charset="0"/>
+      <p:regular r:id="rId11"/>
+    </p:embeddedFont>
+    <p:embeddedFont>
+      <p:font typeface="Dosis ExtraLight" panose="020B0604020202020204" charset="0"/>
+      <p:regular r:id="rId12"/>
+      <p:bold r:id="rId13"/>
+    </p:embeddedFont>
+    <p:embeddedFont>
       <p:font typeface="Fira Sans Condensed ExtraLight" panose="020B0604020202020204" charset="0"/>
-      <p:regular r:id="rId11"/>
-      <p:bold r:id="rId12"/>
-      <p:italic r:id="rId13"/>
-      <p:boldItalic r:id="rId14"/>
+      <p:regular r:id="rId14"/>
+      <p:bold r:id="rId15"/>
+      <p:italic r:id="rId16"/>
+      <p:boldItalic r:id="rId17"/>
     </p:embeddedFont>
     <p:embeddedFont>
       <p:font typeface="Josefin Sans" panose="020B0604020202020204" charset="0"/>
-      <p:regular r:id="rId15"/>
-      <p:bold r:id="rId16"/>
-      <p:italic r:id="rId17"/>
-      <p:boldItalic r:id="rId18"/>
-    </p:embeddedFont>
-    <p:embeddedFont>
-      <p:font typeface="Abel" panose="020B0604020202020204" charset="0"/>
-      <p:regular r:id="rId19"/>
-    </p:embeddedFont>
-    <p:embeddedFont>
-      <p:font typeface="Dosis ExtraLight" panose="020B0604020202020204" charset="0"/>
-      <p:regular r:id="rId20"/>
-      <p:bold r:id="rId21"/>
+      <p:regular r:id="rId18"/>
+      <p:bold r:id="rId19"/>
+      <p:italic r:id="rId20"/>
+      <p:boldItalic r:id="rId21"/>
     </p:embeddedFont>
     <p:embeddedFont>
       <p:font typeface="Staatliches" panose="020B0604020202020204" charset="0"/>
@@ -1416,7 +1416,7 @@
     </p:spTree>
     <p:extLst>
       <p:ext uri="{BB962C8B-B14F-4D97-AF65-F5344CB8AC3E}">
-        <p14:creationId xmlns:p14="http://schemas.microsoft.com/office/powerpoint/2010/main" val="390740076"/>
+        <p14:creationId xmlns:p14="http://schemas.microsoft.com/office/powerpoint/2010/main" val="3120142030"/>
       </p:ext>
     </p:extLst>
   </p:cSld>
@@ -4215,13 +4215,6 @@
   <p:clrMapOvr>
     <a:masterClrMapping/>
   </p:clrMapOvr>
-  <p:timing>
-    <p:tnLst>
-      <p:par>
-        <p:cTn id="1" dur="indefinite" restart="never" nodeType="tmRoot"/>
-      </p:par>
-    </p:tnLst>
-  </p:timing>
 </p:sld>
 </file>
 
@@ -4513,13 +4506,6 @@
   <p:clrMapOvr>
     <a:masterClrMapping/>
   </p:clrMapOvr>
-  <p:timing>
-    <p:tnLst>
-      <p:par>
-        <p:cTn id="1" dur="indefinite" restart="never" nodeType="tmRoot"/>
-      </p:par>
-    </p:tnLst>
-  </p:timing>
 </p:sld>
 </file>
 
@@ -5068,13 +5054,6 @@
   <p:clrMapOvr>
     <a:masterClrMapping/>
   </p:clrMapOvr>
-  <p:timing>
-    <p:tnLst>
-      <p:par>
-        <p:cTn id="1" dur="indefinite" restart="never" nodeType="tmRoot"/>
-      </p:par>
-    </p:tnLst>
-  </p:timing>
 </p:sld>
 </file>
 
@@ -5171,6 +5150,9 @@
           <a:lstStyle/>
           <a:p>
             <a:pPr>
+              <a:spcAft>
+                <a:spcPts val="600"/>
+              </a:spcAft>
               <a:buClr>
                 <a:srgbClr val="FFFFFF"/>
               </a:buClr>
@@ -5194,53 +5176,82 @@
                 <a:latin typeface="Dosis ExtraLight"/>
                 <a:sym typeface="Dosis ExtraLight"/>
               </a:rPr>
-              <a:t>  </a:t>
-            </a:r>
-            <a:r>
-              <a:rPr lang="en-US" sz="1600" dirty="0" smtClean="0">
-                <a:solidFill>
-                  <a:srgbClr val="FFFFFF"/>
-                </a:solidFill>
-                <a:latin typeface="Dosis ExtraLight"/>
-                <a:sym typeface="Dosis ExtraLight"/>
-              </a:rPr>
-              <a:t>ED1000</a:t>
+              <a:t>  ED1000</a:t>
             </a:r>
           </a:p>
           <a:p>
             <a:pPr>
+              <a:spcAft>
+                <a:spcPts val="600"/>
+              </a:spcAft>
               <a:buClr>
                 <a:srgbClr val="FFFFFF"/>
               </a:buClr>
               <a:buSzPts val="1100"/>
             </a:pPr>
-            <a:endParaRPr lang="en-US" sz="1600" dirty="0">
-              <a:solidFill>
-                <a:srgbClr val="FFFFFF"/>
-              </a:solidFill>
-              <a:latin typeface="Dosis ExtraLight"/>
-              <a:sym typeface="Dosis ExtraLight"/>
-            </a:endParaRPr>
+            <a:r>
+              <a:rPr lang="en-US" sz="1600" dirty="0" err="1">
+                <a:solidFill>
+                  <a:srgbClr val="FFFFFF"/>
+                </a:solidFill>
+                <a:latin typeface="Dosis ExtraLight"/>
+                <a:sym typeface="Dosis ExtraLight"/>
+              </a:rPr>
+              <a:t>Registratie</a:t>
+            </a:r>
+            <a:r>
+              <a:rPr lang="en-US" sz="1600" dirty="0">
+                <a:solidFill>
+                  <a:srgbClr val="FFFFFF"/>
+                </a:solidFill>
+                <a:latin typeface="Dosis ExtraLight"/>
+                <a:sym typeface="Dosis ExtraLight"/>
+              </a:rPr>
+              <a:t> sensor/</a:t>
+            </a:r>
+            <a:r>
+              <a:rPr lang="en-US" sz="1600" dirty="0" err="1">
+                <a:solidFill>
+                  <a:srgbClr val="FFFFFF"/>
+                </a:solidFill>
+                <a:latin typeface="Dosis ExtraLight"/>
+                <a:sym typeface="Dosis ExtraLight"/>
+              </a:rPr>
+              <a:t>Sigfox</a:t>
+            </a:r>
+            <a:r>
+              <a:rPr lang="en-US" sz="1600" dirty="0">
+                <a:solidFill>
+                  <a:srgbClr val="FFFFFF"/>
+                </a:solidFill>
+                <a:latin typeface="Dosis ExtraLight"/>
+                <a:sym typeface="Dosis ExtraLight"/>
+              </a:rPr>
+              <a:t> portal</a:t>
+            </a:r>
           </a:p>
           <a:p>
             <a:pPr>
+              <a:spcAft>
+                <a:spcPts val="600"/>
+              </a:spcAft>
               <a:buClr>
                 <a:srgbClr val="FFFFFF"/>
               </a:buClr>
               <a:buSzPts val="1100"/>
             </a:pPr>
             <a:r>
-              <a:rPr lang="en-US" sz="1600" dirty="0" err="1" smtClean="0">
+              <a:rPr lang="en-US" sz="1600" dirty="0" err="1">
                 <a:solidFill>
                   <a:srgbClr val="FFFFFF"/>
                 </a:solidFill>
                 <a:latin typeface="Dosis ExtraLight"/>
                 <a:sym typeface="Dosis ExtraLight"/>
               </a:rPr>
-              <a:t>Registratie</a:t>
-            </a:r>
-            <a:r>
-              <a:rPr lang="en-US" sz="1600" dirty="0" smtClean="0">
+              <a:t>Seriële</a:t>
+            </a:r>
+            <a:r>
+              <a:rPr lang="en-US" sz="1600" dirty="0">
                 <a:solidFill>
                   <a:srgbClr val="FFFFFF"/>
                 </a:solidFill>
@@ -5250,6 +5261,16 @@
               <a:t> </a:t>
             </a:r>
             <a:r>
+              <a:rPr lang="en-US" sz="1600" dirty="0" err="1">
+                <a:solidFill>
+                  <a:srgbClr val="FFFFFF"/>
+                </a:solidFill>
+                <a:latin typeface="Dosis ExtraLight"/>
+                <a:sym typeface="Dosis ExtraLight"/>
+              </a:rPr>
+              <a:t>verbinding</a:t>
+            </a:r>
+            <a:r>
               <a:rPr lang="en-US" sz="1600" dirty="0">
                 <a:solidFill>
                   <a:srgbClr val="FFFFFF"/>
@@ -5257,7 +5278,7 @@
                 <a:latin typeface="Dosis ExtraLight"/>
                 <a:sym typeface="Dosis ExtraLight"/>
               </a:rPr>
-              <a:t>sensor/</a:t>
+              <a:t> </a:t>
             </a:r>
             <a:r>
               <a:rPr lang="en-US" sz="1600" dirty="0" err="1">
@@ -5267,7 +5288,7 @@
                 <a:latin typeface="Dosis ExtraLight"/>
                 <a:sym typeface="Dosis ExtraLight"/>
               </a:rPr>
-              <a:t>Sigfox</a:t>
+              <a:t>gelegd</a:t>
             </a:r>
             <a:r>
               <a:rPr lang="en-US" sz="1600" dirty="0">
@@ -5277,59 +5298,98 @@
                 <a:latin typeface="Dosis ExtraLight"/>
                 <a:sym typeface="Dosis ExtraLight"/>
               </a:rPr>
-              <a:t> </a:t>
-            </a:r>
-            <a:r>
-              <a:rPr lang="en-US" sz="1600" dirty="0" smtClean="0">
-                <a:solidFill>
-                  <a:srgbClr val="FFFFFF"/>
-                </a:solidFill>
-                <a:latin typeface="Dosis ExtraLight"/>
-                <a:sym typeface="Dosis ExtraLight"/>
-              </a:rPr>
-              <a:t>portal</a:t>
+              <a:t> met de module</a:t>
             </a:r>
           </a:p>
           <a:p>
             <a:pPr>
+              <a:spcAft>
+                <a:spcPts val="600"/>
+              </a:spcAft>
               <a:buClr>
                 <a:srgbClr val="FFFFFF"/>
               </a:buClr>
               <a:buSzPts val="1100"/>
             </a:pPr>
-            <a:endParaRPr lang="en-US" sz="1600" dirty="0">
-              <a:solidFill>
-                <a:srgbClr val="FFFFFF"/>
-              </a:solidFill>
-              <a:latin typeface="Dosis ExtraLight"/>
-              <a:sym typeface="Dosis ExtraLight"/>
-            </a:endParaRPr>
+            <a:r>
+              <a:rPr lang="en-US" sz="1600" dirty="0" err="1">
+                <a:solidFill>
+                  <a:srgbClr val="FFFFFF"/>
+                </a:solidFill>
+                <a:latin typeface="Dosis ExtraLight"/>
+                <a:sym typeface="Dosis ExtraLight"/>
+              </a:rPr>
+              <a:t>Documentatie</a:t>
+            </a:r>
+            <a:r>
+              <a:rPr lang="en-US" sz="1600" dirty="0">
+                <a:solidFill>
+                  <a:srgbClr val="FFFFFF"/>
+                </a:solidFill>
+                <a:latin typeface="Dosis ExtraLight"/>
+                <a:sym typeface="Dosis ExtraLight"/>
+              </a:rPr>
+              <a:t> API’s </a:t>
+            </a:r>
+            <a:r>
+              <a:rPr lang="en-US" sz="1600" dirty="0" err="1">
+                <a:solidFill>
+                  <a:srgbClr val="FFFFFF"/>
+                </a:solidFill>
+                <a:latin typeface="Dosis ExtraLight"/>
+                <a:sym typeface="Dosis ExtraLight"/>
+              </a:rPr>
+              <a:t>bekeken</a:t>
+            </a:r>
+            <a:r>
+              <a:rPr lang="en-US" sz="1600" dirty="0">
+                <a:solidFill>
+                  <a:srgbClr val="FFFFFF"/>
+                </a:solidFill>
+                <a:latin typeface="Dosis ExtraLight"/>
+                <a:sym typeface="Dosis ExtraLight"/>
+              </a:rPr>
+              <a:t>, JSON via POST (browser)</a:t>
+            </a:r>
           </a:p>
           <a:p>
             <a:pPr>
+              <a:spcAft>
+                <a:spcPts val="600"/>
+              </a:spcAft>
               <a:buClr>
                 <a:srgbClr val="FFFFFF"/>
               </a:buClr>
               <a:buSzPts val="1100"/>
             </a:pPr>
             <a:r>
-              <a:rPr lang="en-US" sz="1600" dirty="0" err="1" smtClean="0">
+              <a:rPr lang="en-US" sz="1600" dirty="0">
                 <a:solidFill>
                   <a:srgbClr val="FFFFFF"/>
                 </a:solidFill>
                 <a:latin typeface="Dosis ExtraLight"/>
                 <a:sym typeface="Dosis ExtraLight"/>
               </a:rPr>
-              <a:t>Seriële</a:t>
-            </a:r>
-            <a:r>
-              <a:rPr lang="en-US" sz="1600" dirty="0" smtClean="0">
+              <a:t>Libraries parsing </a:t>
+            </a:r>
+            <a:r>
+              <a:rPr lang="en-US" sz="1600" dirty="0" err="1">
                 <a:solidFill>
                   <a:srgbClr val="FFFFFF"/>
                 </a:solidFill>
                 <a:latin typeface="Dosis ExtraLight"/>
                 <a:sym typeface="Dosis ExtraLight"/>
               </a:rPr>
+              <a:t>sensordata</a:t>
+            </a:r>
+            <a:r>
+              <a:rPr lang="en-US" sz="1600" dirty="0">
+                <a:solidFill>
+                  <a:srgbClr val="FFFFFF"/>
+                </a:solidFill>
+                <a:latin typeface="Dosis ExtraLight"/>
+                <a:sym typeface="Dosis ExtraLight"/>
+              </a:rPr>
               <a:t> </a:t>
             </a:r>
             <a:r>
@@ -5340,7 +5400,7 @@
                 <a:latin typeface="Dosis ExtraLight"/>
                 <a:sym typeface="Dosis ExtraLight"/>
               </a:rPr>
-              <a:t>verbinding</a:t>
+              <a:t>en</a:t>
             </a:r>
             <a:r>
               <a:rPr lang="en-US" sz="1600" dirty="0">
@@ -5350,7 +5410,7 @@
                 <a:latin typeface="Dosis ExtraLight"/>
                 <a:sym typeface="Dosis ExtraLight"/>
               </a:rPr>
-              <a:t> </a:t>
+              <a:t> JSON </a:t>
             </a:r>
             <a:r>
               <a:rPr lang="en-US" sz="1600" dirty="0" err="1">
@@ -5360,205 +5420,9 @@
                 <a:latin typeface="Dosis ExtraLight"/>
                 <a:sym typeface="Dosis ExtraLight"/>
               </a:rPr>
-              <a:t>gelegd</a:t>
-            </a:r>
-            <a:r>
-              <a:rPr lang="en-US" sz="1600" dirty="0">
-                <a:solidFill>
-                  <a:srgbClr val="FFFFFF"/>
-                </a:solidFill>
-                <a:latin typeface="Dosis ExtraLight"/>
-                <a:sym typeface="Dosis ExtraLight"/>
-              </a:rPr>
-              <a:t> met de </a:t>
-            </a:r>
-            <a:r>
-              <a:rPr lang="en-US" sz="1600" dirty="0" smtClean="0">
-                <a:solidFill>
-                  <a:srgbClr val="FFFFFF"/>
-                </a:solidFill>
-                <a:latin typeface="Dosis ExtraLight"/>
-                <a:sym typeface="Dosis ExtraLight"/>
-              </a:rPr>
-              <a:t>module</a:t>
-            </a:r>
-          </a:p>
-          <a:p>
-            <a:pPr>
-              <a:buClr>
-                <a:srgbClr val="FFFFFF"/>
-              </a:buClr>
-              <a:buSzPts val="1100"/>
-            </a:pPr>
-            <a:endParaRPr lang="en-US" sz="1600" dirty="0" smtClean="0">
-              <a:solidFill>
-                <a:srgbClr val="FFFFFF"/>
-              </a:solidFill>
-              <a:latin typeface="Dosis ExtraLight"/>
-              <a:sym typeface="Dosis ExtraLight"/>
-            </a:endParaRPr>
-          </a:p>
-          <a:p>
-            <a:pPr>
-              <a:buClr>
-                <a:srgbClr val="FFFFFF"/>
-              </a:buClr>
-              <a:buSzPts val="1100"/>
-            </a:pPr>
-            <a:r>
-              <a:rPr lang="en-US" sz="1600" dirty="0" err="1">
-                <a:solidFill>
-                  <a:srgbClr val="FFFFFF"/>
-                </a:solidFill>
-                <a:latin typeface="Dosis ExtraLight"/>
-                <a:sym typeface="Dosis ExtraLight"/>
-              </a:rPr>
-              <a:t>Documentatie</a:t>
-            </a:r>
-            <a:r>
-              <a:rPr lang="en-US" sz="1600" dirty="0">
-                <a:solidFill>
-                  <a:srgbClr val="FFFFFF"/>
-                </a:solidFill>
-                <a:latin typeface="Dosis ExtraLight"/>
-                <a:sym typeface="Dosis ExtraLight"/>
-              </a:rPr>
-              <a:t> API’s </a:t>
-            </a:r>
-            <a:r>
-              <a:rPr lang="en-US" sz="1600" dirty="0" err="1">
-                <a:solidFill>
-                  <a:srgbClr val="FFFFFF"/>
-                </a:solidFill>
-                <a:latin typeface="Dosis ExtraLight"/>
-                <a:sym typeface="Dosis ExtraLight"/>
-              </a:rPr>
               <a:t>bekeken</a:t>
             </a:r>
-            <a:r>
-              <a:rPr lang="en-US" sz="1600" dirty="0">
-                <a:solidFill>
-                  <a:srgbClr val="FFFFFF"/>
-                </a:solidFill>
-                <a:latin typeface="Dosis ExtraLight"/>
-                <a:sym typeface="Dosis ExtraLight"/>
-              </a:rPr>
-              <a:t>, JSON via </a:t>
-            </a:r>
-            <a:r>
-              <a:rPr lang="en-US" sz="1600" dirty="0" smtClean="0">
-                <a:solidFill>
-                  <a:srgbClr val="FFFFFF"/>
-                </a:solidFill>
-                <a:latin typeface="Dosis ExtraLight"/>
-                <a:sym typeface="Dosis ExtraLight"/>
-              </a:rPr>
-              <a:t>POST </a:t>
-            </a:r>
-            <a:r>
-              <a:rPr lang="en-US" sz="1600" dirty="0">
-                <a:solidFill>
-                  <a:srgbClr val="FFFFFF"/>
-                </a:solidFill>
-                <a:latin typeface="Dosis ExtraLight"/>
-                <a:sym typeface="Dosis ExtraLight"/>
-              </a:rPr>
-              <a:t>(browser</a:t>
-            </a:r>
-            <a:r>
-              <a:rPr lang="en-US" sz="1600" dirty="0" smtClean="0">
-                <a:solidFill>
-                  <a:srgbClr val="FFFFFF"/>
-                </a:solidFill>
-                <a:latin typeface="Dosis ExtraLight"/>
-                <a:sym typeface="Dosis ExtraLight"/>
-              </a:rPr>
-              <a:t>)</a:t>
-            </a:r>
-          </a:p>
-          <a:p>
-            <a:pPr>
-              <a:buClr>
-                <a:srgbClr val="FFFFFF"/>
-              </a:buClr>
-              <a:buSzPts val="1100"/>
-            </a:pPr>
             <a:endParaRPr lang="en-US" sz="1600" dirty="0">
-              <a:solidFill>
-                <a:srgbClr val="FFFFFF"/>
-              </a:solidFill>
-              <a:latin typeface="Dosis ExtraLight"/>
-              <a:sym typeface="Dosis ExtraLight"/>
-            </a:endParaRPr>
-          </a:p>
-          <a:p>
-            <a:pPr>
-              <a:buClr>
-                <a:srgbClr val="FFFFFF"/>
-              </a:buClr>
-              <a:buSzPts val="1100"/>
-            </a:pPr>
-            <a:r>
-              <a:rPr lang="en-US" sz="1600" dirty="0" smtClean="0">
-                <a:solidFill>
-                  <a:srgbClr val="FFFFFF"/>
-                </a:solidFill>
-                <a:latin typeface="Dosis ExtraLight"/>
-                <a:sym typeface="Dosis ExtraLight"/>
-              </a:rPr>
-              <a:t>Libraries parsing </a:t>
-            </a:r>
-            <a:r>
-              <a:rPr lang="en-US" sz="1600" dirty="0" err="1" smtClean="0">
-                <a:solidFill>
-                  <a:srgbClr val="FFFFFF"/>
-                </a:solidFill>
-                <a:latin typeface="Dosis ExtraLight"/>
-                <a:sym typeface="Dosis ExtraLight"/>
-              </a:rPr>
-              <a:t>sensordata</a:t>
-            </a:r>
-            <a:r>
-              <a:rPr lang="en-US" sz="1600" dirty="0" smtClean="0">
-                <a:solidFill>
-                  <a:srgbClr val="FFFFFF"/>
-                </a:solidFill>
-                <a:latin typeface="Dosis ExtraLight"/>
-                <a:sym typeface="Dosis ExtraLight"/>
-              </a:rPr>
-              <a:t> </a:t>
-            </a:r>
-            <a:r>
-              <a:rPr lang="en-US" sz="1600" dirty="0" err="1" smtClean="0">
-                <a:solidFill>
-                  <a:srgbClr val="FFFFFF"/>
-                </a:solidFill>
-                <a:latin typeface="Dosis ExtraLight"/>
-                <a:sym typeface="Dosis ExtraLight"/>
-              </a:rPr>
-              <a:t>en</a:t>
-            </a:r>
-            <a:r>
-              <a:rPr lang="en-US" sz="1600" dirty="0" smtClean="0">
-                <a:solidFill>
-                  <a:srgbClr val="FFFFFF"/>
-                </a:solidFill>
-                <a:latin typeface="Dosis ExtraLight"/>
-                <a:sym typeface="Dosis ExtraLight"/>
-              </a:rPr>
-              <a:t> JSON </a:t>
-            </a:r>
-            <a:r>
-              <a:rPr lang="en-US" sz="1600" dirty="0" err="1" smtClean="0">
-                <a:solidFill>
-                  <a:srgbClr val="FFFFFF"/>
-                </a:solidFill>
-                <a:latin typeface="Dosis ExtraLight"/>
-                <a:sym typeface="Dosis ExtraLight"/>
-              </a:rPr>
-              <a:t>bekeken</a:t>
-            </a:r>
-            <a:endParaRPr lang="en-US" sz="1600" dirty="0" smtClean="0">
               <a:solidFill>
                 <a:srgbClr val="FFFFFF"/>
               </a:solidFill>
@@ -5725,7 +5589,7 @@
         </p:blipFill>
         <p:spPr bwMode="auto">
           <a:xfrm>
-            <a:off x="4194313" y="0"/>
+            <a:off x="4194313" y="6875"/>
             <a:ext cx="4949686" cy="5143500"/>
           </a:xfrm>
           <a:prstGeom prst="rect">
@@ -5743,6 +5607,130 @@
           </a:extLst>
         </p:spPr>
       </p:pic>
+      <p:sp>
+        <p:nvSpPr>
+          <p:cNvPr id="8" name="Tekstvak 7">
+            <a:extLst>
+              <a:ext uri="{FF2B5EF4-FFF2-40B4-BE49-F238E27FC236}">
+                <a16:creationId xmlns:a16="http://schemas.microsoft.com/office/drawing/2014/main" id="{967E8571-5961-4269-8F54-D8F82F377419}"/>
+              </a:ext>
+            </a:extLst>
+          </p:cNvPr>
+          <p:cNvSpPr txBox="1"/>
+          <p:nvPr/>
+        </p:nvSpPr>
+        <p:spPr>
+          <a:xfrm>
+            <a:off x="5307495" y="4866501"/>
+            <a:ext cx="3836503" cy="276999"/>
+          </a:xfrm>
+          <a:prstGeom prst="rect">
+            <a:avLst/>
+          </a:prstGeom>
+          <a:noFill/>
+        </p:spPr>
+        <p:txBody>
+          <a:bodyPr wrap="square" rtlCol="0">
+            <a:spAutoFit/>
+          </a:bodyPr>
+          <a:lstStyle/>
+          <a:p>
+            <a:pPr algn="r"/>
+            <a:r>
+              <a:rPr lang="nl-BE" sz="1200" b="1" dirty="0" err="1">
+                <a:solidFill>
+                  <a:schemeClr val="bg2"/>
+                </a:solidFill>
+                <a:latin typeface="Dosis ExtraLight"/>
+                <a:sym typeface="Abel"/>
+              </a:rPr>
+              <a:t>FlowChart</a:t>
+            </a:r>
+            <a:r>
+              <a:rPr lang="nl-BE" sz="1200" dirty="0">
+                <a:solidFill>
+                  <a:schemeClr val="bg2"/>
+                </a:solidFill>
+                <a:latin typeface="Dosis ExtraLight"/>
+                <a:sym typeface="Abel"/>
+              </a:rPr>
+              <a:t>     –     </a:t>
+            </a:r>
+            <a:r>
+              <a:rPr lang="nl-BE" sz="1200" dirty="0" err="1">
+                <a:solidFill>
+                  <a:schemeClr val="bg2"/>
+                </a:solidFill>
+                <a:latin typeface="Dosis ExtraLight"/>
+                <a:sym typeface="Abel"/>
+              </a:rPr>
+              <a:t>SigFox</a:t>
+            </a:r>
+            <a:r>
+              <a:rPr lang="nl-BE" sz="1200" dirty="0">
+                <a:solidFill>
+                  <a:schemeClr val="bg2"/>
+                </a:solidFill>
+                <a:latin typeface="Dosis ExtraLight"/>
+                <a:sym typeface="Abel"/>
+              </a:rPr>
+              <a:t>     –     PLC     –     Node.js     -     AMQP</a:t>
+            </a:r>
+          </a:p>
+        </p:txBody>
+      </p:sp>
+      <p:sp>
+        <p:nvSpPr>
+          <p:cNvPr id="2" name="Rechthoek 1">
+            <a:extLst>
+              <a:ext uri="{FF2B5EF4-FFF2-40B4-BE49-F238E27FC236}">
+                <a16:creationId xmlns:a16="http://schemas.microsoft.com/office/drawing/2014/main" id="{E96637D9-74A3-44CB-A040-04B33F0834C4}"/>
+              </a:ext>
+            </a:extLst>
+          </p:cNvPr>
+          <p:cNvSpPr/>
+          <p:nvPr/>
+        </p:nvSpPr>
+        <p:spPr>
+          <a:xfrm>
+            <a:off x="5864534" y="295632"/>
+            <a:ext cx="1567543" cy="990027"/>
+          </a:xfrm>
+          <a:prstGeom prst="rect">
+            <a:avLst/>
+          </a:prstGeom>
+          <a:noFill/>
+          <a:ln>
+            <a:solidFill>
+              <a:srgbClr val="FF0000"/>
+            </a:solidFill>
+          </a:ln>
+        </p:spPr>
+        <p:style>
+          <a:lnRef idx="2">
+            <a:schemeClr val="accent1">
+              <a:shade val="50000"/>
+            </a:schemeClr>
+          </a:lnRef>
+          <a:fillRef idx="1">
+            <a:schemeClr val="accent1"/>
+          </a:fillRef>
+          <a:effectRef idx="0">
+            <a:schemeClr val="accent1"/>
+          </a:effectRef>
+          <a:fontRef idx="minor">
+            <a:schemeClr val="lt1"/>
+          </a:fontRef>
+        </p:style>
+        <p:txBody>
+          <a:bodyPr rtlCol="0" anchor="ctr"/>
+          <a:lstStyle/>
+          <a:p>
+            <a:pPr algn="ctr"/>
+            <a:endParaRPr lang="nl-BE"/>
+          </a:p>
+        </p:txBody>
+      </p:sp>
     </p:spTree>
     <p:extLst>
       <p:ext uri="{BB962C8B-B14F-4D97-AF65-F5344CB8AC3E}">
@@ -5753,13 +5741,6 @@
   <p:clrMapOvr>
     <a:masterClrMapping/>
   </p:clrMapOvr>
-  <p:timing>
-    <p:tnLst>
-      <p:par>
-        <p:cTn id="1" dur="indefinite" restart="never" nodeType="tmRoot"/>
-      </p:par>
-    </p:tnLst>
-  </p:timing>
 </p:sld>
 </file>
 
@@ -5945,7 +5926,7 @@
                 <a:latin typeface="Dosis ExtraLight"/>
                 <a:sym typeface="Dosis ExtraLight"/>
               </a:rPr>
-              <a:t>test </a:t>
+              <a:t>Test </a:t>
             </a:r>
             <a:r>
               <a:rPr lang="en-US" sz="1600" dirty="0" err="1">
@@ -5964,6 +5945,42 @@
               <a:latin typeface="Dosis ExtraLight"/>
               <a:sym typeface="Dosis ExtraLight"/>
             </a:endParaRPr>
+          </a:p>
+          <a:p>
+            <a:pPr>
+              <a:buClr>
+                <a:srgbClr val="FFFFFF"/>
+              </a:buClr>
+              <a:buSzPts val="1100"/>
+            </a:pPr>
+            <a:r>
+              <a:rPr lang="en-US" sz="1600" dirty="0">
+                <a:solidFill>
+                  <a:srgbClr val="FFFFFF"/>
+                </a:solidFill>
+                <a:latin typeface="Dosis ExtraLight"/>
+                <a:sym typeface="Dosis ExtraLight"/>
+              </a:rPr>
+              <a:t>Basic TCP/IP blocks</a:t>
+            </a:r>
+          </a:p>
+          <a:p>
+            <a:pPr>
+              <a:buClr>
+                <a:srgbClr val="FFFFFF"/>
+              </a:buClr>
+              <a:buSzPts val="1100"/>
+            </a:pPr>
+            <a:r>
+              <a:rPr lang="en-US" sz="1600" dirty="0">
+                <a:solidFill>
+                  <a:srgbClr val="FFFFFF"/>
+                </a:solidFill>
+                <a:latin typeface="Dosis ExtraLight"/>
+                <a:sym typeface="Dosis ExtraLight"/>
+              </a:rPr>
+              <a:t>JSON decode	</a:t>
+            </a:r>
           </a:p>
         </p:txBody>
       </p:sp>
@@ -6110,13 +6127,6 @@
   <p:clrMapOvr>
     <a:masterClrMapping/>
   </p:clrMapOvr>
-  <p:timing>
-    <p:tnLst>
-      <p:par>
-        <p:cTn id="1" dur="indefinite" restart="never" nodeType="tmRoot"/>
-      </p:par>
-    </p:tnLst>
-  </p:timing>
 </p:sld>
 </file>
 
@@ -6181,7 +6191,7 @@
             </a:pPr>
             <a:r>
               <a:rPr lang="nl-BE" dirty="0"/>
-              <a:t>Node.js</a:t>
+              <a:t>node.js</a:t>
             </a:r>
             <a:endParaRPr dirty="0"/>
           </a:p>
@@ -6212,212 +6222,23 @@
           </a:bodyPr>
           <a:lstStyle/>
           <a:p>
-            <a:pPr marL="285750" indent="-285750">
-              <a:spcAft>
-                <a:spcPts val="1600"/>
-              </a:spcAft>
+            <a:pPr marL="158750" indent="0">
+              <a:buClr>
+                <a:srgbClr val="FFFFFF"/>
+              </a:buClr>
+              <a:buSzPts val="1100"/>
+              <a:buNone/>
             </a:pPr>
             <a:r>
-              <a:rPr lang="en-US" sz="1600" dirty="0" err="1"/>
-              <a:t>Onderzoek</a:t>
-            </a:r>
-            <a:r>
-              <a:rPr lang="en-US" sz="1600" dirty="0"/>
-              <a:t> over hoe </a:t>
-            </a:r>
-            <a:r>
-              <a:rPr lang="en-US" sz="1600" dirty="0" err="1"/>
-              <a:t>inkomende</a:t>
-            </a:r>
-            <a:r>
-              <a:rPr lang="en-US" sz="1600" dirty="0"/>
-              <a:t> data </a:t>
-            </a:r>
-            <a:r>
-              <a:rPr lang="en-US" sz="1600" dirty="0" err="1"/>
-              <a:t>verwerken</a:t>
-            </a:r>
-            <a:endParaRPr lang="en-US" sz="1600" dirty="0"/>
-          </a:p>
-          <a:p>
-            <a:pPr marL="285750" indent="-285750">
-              <a:spcAft>
-                <a:spcPts val="1600"/>
-              </a:spcAft>
-            </a:pPr>
-            <a:r>
-              <a:rPr lang="en-US" sz="1600" dirty="0"/>
-              <a:t>Python </a:t>
-            </a:r>
-            <a:r>
-              <a:rPr lang="en-US" sz="1600" dirty="0" err="1"/>
-              <a:t>programma</a:t>
-            </a:r>
-            <a:r>
-              <a:rPr lang="en-US" sz="1600" dirty="0"/>
-              <a:t> </a:t>
-            </a:r>
-            <a:r>
-              <a:rPr lang="en-US" sz="1600" dirty="0" err="1"/>
-              <a:t>gemaakt</a:t>
-            </a:r>
-            <a:r>
-              <a:rPr lang="en-US" sz="1600" dirty="0"/>
-              <a:t> om mimic data </a:t>
-            </a:r>
-            <a:r>
-              <a:rPr lang="en-US" sz="1600" dirty="0" err="1"/>
-              <a:t>te</a:t>
-            </a:r>
-            <a:r>
-              <a:rPr lang="en-US" sz="1600" dirty="0"/>
-              <a:t> </a:t>
-            </a:r>
-            <a:r>
-              <a:rPr lang="en-US" sz="1600" dirty="0" err="1"/>
-              <a:t>creëren</a:t>
-            </a:r>
-            <a:r>
-              <a:rPr lang="en-US" sz="1600" dirty="0"/>
-              <a:t> </a:t>
-            </a:r>
-            <a:r>
-              <a:rPr lang="en-US" sz="1600" dirty="0" err="1"/>
-              <a:t>voor</a:t>
-            </a:r>
-            <a:r>
-              <a:rPr lang="en-US" sz="1600" dirty="0"/>
-              <a:t> </a:t>
-            </a:r>
-            <a:r>
-              <a:rPr lang="en-US" sz="1600" dirty="0" err="1"/>
-              <a:t>te</a:t>
-            </a:r>
-            <a:r>
-              <a:rPr lang="en-US" sz="1600" dirty="0"/>
-              <a:t> </a:t>
-            </a:r>
-            <a:r>
-              <a:rPr lang="en-US" sz="1600" dirty="0" err="1" smtClean="0"/>
-              <a:t>testen</a:t>
-            </a:r>
-            <a:endParaRPr lang="en-US" sz="1600" dirty="0"/>
-          </a:p>
-          <a:p>
-            <a:pPr marL="285750" indent="-285750">
-              <a:spcAft>
-                <a:spcPts val="1600"/>
-              </a:spcAft>
-            </a:pPr>
-            <a:r>
-              <a:rPr lang="en-US" sz="1600" dirty="0"/>
-              <a:t>Mimic data op </a:t>
-            </a:r>
-            <a:r>
-              <a:rPr lang="en-US" sz="1600" dirty="0" err="1"/>
-              <a:t>een</a:t>
-            </a:r>
-            <a:r>
-              <a:rPr lang="en-US" sz="1600" dirty="0"/>
-              <a:t> SQL </a:t>
-            </a:r>
-            <a:r>
-              <a:rPr lang="en-US" sz="1600" dirty="0" err="1"/>
-              <a:t>tabel</a:t>
-            </a:r>
-            <a:r>
-              <a:rPr lang="en-US" sz="1600" dirty="0"/>
-              <a:t> </a:t>
-            </a:r>
-            <a:r>
-              <a:rPr lang="en-US" sz="1600" dirty="0" err="1" smtClean="0"/>
-              <a:t>opgeslagen</a:t>
-            </a:r>
-            <a:endParaRPr lang="en-US" sz="1600" dirty="0" smtClean="0"/>
-          </a:p>
-          <a:p>
-            <a:pPr marL="285750" indent="-285750">
-              <a:spcAft>
-                <a:spcPts val="1600"/>
-              </a:spcAft>
-            </a:pPr>
-            <a:r>
-              <a:rPr lang="en-US" sz="1600" dirty="0" err="1" smtClean="0"/>
-              <a:t>Enkel</a:t>
-            </a:r>
-            <a:r>
-              <a:rPr lang="en-US" sz="1600" dirty="0" smtClean="0"/>
-              <a:t> python </a:t>
-            </a:r>
-            <a:r>
-              <a:rPr lang="en-US" sz="1600" dirty="0" err="1" smtClean="0"/>
-              <a:t>zonder</a:t>
-            </a:r>
-            <a:r>
-              <a:rPr lang="en-US" sz="1600" dirty="0" smtClean="0"/>
-              <a:t> </a:t>
-            </a:r>
-            <a:r>
-              <a:rPr lang="en-US" sz="1600" dirty="0" err="1" smtClean="0"/>
-              <a:t>php</a:t>
-            </a:r>
-            <a:r>
-              <a:rPr lang="en-US" sz="1600" dirty="0" smtClean="0"/>
-              <a:t> scripts</a:t>
-            </a:r>
-            <a:endParaRPr lang="en-US" sz="1600" dirty="0"/>
-          </a:p>
-          <a:p>
-            <a:pPr marL="285750" indent="-285750">
-              <a:spcAft>
-                <a:spcPts val="1600"/>
-              </a:spcAft>
-            </a:pPr>
-            <a:r>
-              <a:rPr lang="en-US" sz="1600" dirty="0" err="1" smtClean="0"/>
-              <a:t>Een</a:t>
-            </a:r>
-            <a:r>
-              <a:rPr lang="en-US" sz="1600" dirty="0" smtClean="0"/>
-              <a:t> </a:t>
-            </a:r>
-            <a:r>
-              <a:rPr lang="en-US" sz="1600" dirty="0" err="1"/>
-              <a:t>grafiek</a:t>
-            </a:r>
-            <a:r>
-              <a:rPr lang="en-US" sz="1600" dirty="0"/>
-              <a:t> met Node.js van test data </a:t>
-            </a:r>
-            <a:r>
-              <a:rPr lang="en-US" sz="1600" dirty="0" err="1"/>
-              <a:t>geprobeerd</a:t>
-            </a:r>
-            <a:r>
-              <a:rPr lang="en-US" sz="1600" dirty="0"/>
-              <a:t> om </a:t>
-            </a:r>
-            <a:r>
-              <a:rPr lang="en-US" sz="1600" dirty="0" err="1"/>
-              <a:t>te</a:t>
-            </a:r>
-            <a:r>
-              <a:rPr lang="en-US" sz="1600" dirty="0"/>
-              <a:t> </a:t>
-            </a:r>
-            <a:r>
-              <a:rPr lang="en-US" sz="1600" dirty="0" err="1" smtClean="0"/>
-              <a:t>maken</a:t>
-            </a:r>
-            <a:endParaRPr lang="en-US" sz="1600" dirty="0" smtClean="0"/>
-          </a:p>
-          <a:p>
-            <a:pPr marL="285750" indent="-285750">
-              <a:spcAft>
-                <a:spcPts val="1600"/>
-              </a:spcAft>
-            </a:pPr>
-            <a:endParaRPr lang="en-US" sz="1600" dirty="0"/>
+              <a:rPr lang="en-US" sz="1600" dirty="0">
+                <a:solidFill>
+                  <a:srgbClr val="FFFFFF"/>
+                </a:solidFill>
+                <a:latin typeface="Dosis ExtraLight"/>
+                <a:sym typeface="Dosis ExtraLight"/>
+              </a:rPr>
+              <a:t>   </a:t>
+            </a:r>
           </a:p>
         </p:txBody>
       </p:sp>
@@ -6518,7 +6339,7 @@
           <p:cNvPr id="6" name="Tekstvak 5">
             <a:extLst>
               <a:ext uri="{FF2B5EF4-FFF2-40B4-BE49-F238E27FC236}">
-                <a16:creationId xmlns:a16="http://schemas.microsoft.com/office/drawing/2014/main" id="{DCE19021-3489-40E7-A9B8-A8389830AF33}"/>
+                <a16:creationId xmlns:a16="http://schemas.microsoft.com/office/drawing/2014/main" id="{507BEA14-EAD9-43C3-B5C5-84260708B00E}"/>
               </a:ext>
             </a:extLst>
           </p:cNvPr>
@@ -6549,28 +6370,481 @@
                 <a:latin typeface="Dosis ExtraLight"/>
                 <a:sym typeface="Abel"/>
               </a:rPr>
-              <a:t>7</a:t>
-            </a:r>
+              <a:t>6</a:t>
+            </a:r>
+          </a:p>
+        </p:txBody>
+      </p:sp>
+      <p:sp>
+        <p:nvSpPr>
+          <p:cNvPr id="7" name="Google Shape;318;p22">
+            <a:extLst>
+              <a:ext uri="{FF2B5EF4-FFF2-40B4-BE49-F238E27FC236}">
+                <a16:creationId xmlns:a16="http://schemas.microsoft.com/office/drawing/2014/main" id="{DA82B0F7-D753-4789-A01B-F9E29E1C795E}"/>
+              </a:ext>
+            </a:extLst>
+          </p:cNvPr>
+          <p:cNvSpPr txBox="1">
+            <a:spLocks/>
+          </p:cNvSpPr>
+          <p:nvPr/>
+        </p:nvSpPr>
+        <p:spPr>
+          <a:xfrm>
+            <a:off x="856200" y="1115677"/>
+            <a:ext cx="7670400" cy="3416400"/>
+          </a:xfrm>
+          <a:prstGeom prst="rect">
+            <a:avLst/>
+          </a:prstGeom>
+          <a:noFill/>
+          <a:ln>
+            <a:noFill/>
+          </a:ln>
+        </p:spPr>
+        <p:txBody>
+          <a:bodyPr spcFirstLastPara="1" wrap="square" lIns="91425" tIns="91425" rIns="91425" bIns="91425" anchor="t" anchorCtr="0">
+            <a:noAutofit/>
+          </a:bodyPr>
+          <a:lstStyle>
+            <a:defPPr marR="0" lvl="0" algn="l" rtl="0">
+              <a:lnSpc>
+                <a:spcPct val="100000"/>
+              </a:lnSpc>
+              <a:spcBef>
+                <a:spcPts val="0"/>
+              </a:spcBef>
+              <a:spcAft>
+                <a:spcPts val="0"/>
+              </a:spcAft>
+            </a:defPPr>
+            <a:lvl1pPr marL="457200" marR="0" lvl="0" indent="-298450" algn="l" rtl="0">
+              <a:lnSpc>
+                <a:spcPct val="115000"/>
+              </a:lnSpc>
+              <a:spcBef>
+                <a:spcPts val="0"/>
+              </a:spcBef>
+              <a:spcAft>
+                <a:spcPts val="0"/>
+              </a:spcAft>
+              <a:buClr>
+                <a:srgbClr val="20293B"/>
+              </a:buClr>
+              <a:buSzPts val="1000"/>
+              <a:buFont typeface="Abel"/>
+              <a:buChar char="●"/>
+              <a:defRPr sz="1100" b="0" i="0" u="none" strike="noStrike" cap="none">
+                <a:solidFill>
+                  <a:srgbClr val="EFEFEF"/>
+                </a:solidFill>
+                <a:latin typeface="Abel"/>
+                <a:ea typeface="Abel"/>
+                <a:cs typeface="Abel"/>
+                <a:sym typeface="Abel"/>
+              </a:defRPr>
+            </a:lvl1pPr>
+            <a:lvl2pPr marL="914400" marR="0" lvl="1" indent="-298450" algn="l" rtl="0">
+              <a:lnSpc>
+                <a:spcPct val="100000"/>
+              </a:lnSpc>
+              <a:spcBef>
+                <a:spcPts val="0"/>
+              </a:spcBef>
+              <a:spcAft>
+                <a:spcPts val="0"/>
+              </a:spcAft>
+              <a:buClr>
+                <a:srgbClr val="20293B"/>
+              </a:buClr>
+              <a:buSzPts val="1400"/>
+              <a:buFont typeface="Arial"/>
+              <a:buChar char="○"/>
+              <a:defRPr sz="2800" b="0" i="0" u="none" strike="noStrike" cap="none">
+                <a:solidFill>
+                  <a:srgbClr val="EFEFEF"/>
+                </a:solidFill>
+                <a:latin typeface="Fira Sans Condensed ExtraLight"/>
+                <a:ea typeface="Fira Sans Condensed ExtraLight"/>
+                <a:cs typeface="Fira Sans Condensed ExtraLight"/>
+                <a:sym typeface="Fira Sans Condensed ExtraLight"/>
+              </a:defRPr>
+            </a:lvl2pPr>
+            <a:lvl3pPr marL="1371600" marR="0" lvl="2" indent="-298450" algn="l" rtl="0">
+              <a:lnSpc>
+                <a:spcPct val="100000"/>
+              </a:lnSpc>
+              <a:spcBef>
+                <a:spcPts val="0"/>
+              </a:spcBef>
+              <a:spcAft>
+                <a:spcPts val="0"/>
+              </a:spcAft>
+              <a:buClr>
+                <a:srgbClr val="20293B"/>
+              </a:buClr>
+              <a:buSzPts val="1400"/>
+              <a:buFont typeface="Arial"/>
+              <a:buChar char="■"/>
+              <a:defRPr sz="2800" b="0" i="0" u="none" strike="noStrike" cap="none">
+                <a:solidFill>
+                  <a:srgbClr val="EFEFEF"/>
+                </a:solidFill>
+                <a:latin typeface="Fira Sans Condensed ExtraLight"/>
+                <a:ea typeface="Fira Sans Condensed ExtraLight"/>
+                <a:cs typeface="Fira Sans Condensed ExtraLight"/>
+                <a:sym typeface="Fira Sans Condensed ExtraLight"/>
+              </a:defRPr>
+            </a:lvl3pPr>
+            <a:lvl4pPr marL="1828800" marR="0" lvl="3" indent="-298450" algn="l" rtl="0">
+              <a:lnSpc>
+                <a:spcPct val="100000"/>
+              </a:lnSpc>
+              <a:spcBef>
+                <a:spcPts val="0"/>
+              </a:spcBef>
+              <a:spcAft>
+                <a:spcPts val="0"/>
+              </a:spcAft>
+              <a:buClr>
+                <a:srgbClr val="20293B"/>
+              </a:buClr>
+              <a:buSzPts val="1400"/>
+              <a:buFont typeface="Arial"/>
+              <a:buChar char="●"/>
+              <a:defRPr sz="2800" b="0" i="0" u="none" strike="noStrike" cap="none">
+                <a:solidFill>
+                  <a:srgbClr val="EFEFEF"/>
+                </a:solidFill>
+                <a:latin typeface="Fira Sans Condensed ExtraLight"/>
+                <a:ea typeface="Fira Sans Condensed ExtraLight"/>
+                <a:cs typeface="Fira Sans Condensed ExtraLight"/>
+                <a:sym typeface="Fira Sans Condensed ExtraLight"/>
+              </a:defRPr>
+            </a:lvl4pPr>
+            <a:lvl5pPr marL="2286000" marR="0" lvl="4" indent="-298450" algn="l" rtl="0">
+              <a:lnSpc>
+                <a:spcPct val="100000"/>
+              </a:lnSpc>
+              <a:spcBef>
+                <a:spcPts val="0"/>
+              </a:spcBef>
+              <a:spcAft>
+                <a:spcPts val="0"/>
+              </a:spcAft>
+              <a:buClr>
+                <a:srgbClr val="20293B"/>
+              </a:buClr>
+              <a:buSzPts val="1400"/>
+              <a:buFont typeface="Arial"/>
+              <a:buChar char="○"/>
+              <a:defRPr sz="2800" b="0" i="0" u="none" strike="noStrike" cap="none">
+                <a:solidFill>
+                  <a:srgbClr val="EFEFEF"/>
+                </a:solidFill>
+                <a:latin typeface="Fira Sans Condensed ExtraLight"/>
+                <a:ea typeface="Fira Sans Condensed ExtraLight"/>
+                <a:cs typeface="Fira Sans Condensed ExtraLight"/>
+                <a:sym typeface="Fira Sans Condensed ExtraLight"/>
+              </a:defRPr>
+            </a:lvl5pPr>
+            <a:lvl6pPr marL="2743200" marR="0" lvl="5" indent="-298450" algn="l" rtl="0">
+              <a:lnSpc>
+                <a:spcPct val="100000"/>
+              </a:lnSpc>
+              <a:spcBef>
+                <a:spcPts val="0"/>
+              </a:spcBef>
+              <a:spcAft>
+                <a:spcPts val="0"/>
+              </a:spcAft>
+              <a:buClr>
+                <a:srgbClr val="20293B"/>
+              </a:buClr>
+              <a:buSzPts val="1400"/>
+              <a:buFont typeface="Arial"/>
+              <a:buChar char="■"/>
+              <a:defRPr sz="2800" b="0" i="0" u="none" strike="noStrike" cap="none">
+                <a:solidFill>
+                  <a:srgbClr val="EFEFEF"/>
+                </a:solidFill>
+                <a:latin typeface="Fira Sans Condensed ExtraLight"/>
+                <a:ea typeface="Fira Sans Condensed ExtraLight"/>
+                <a:cs typeface="Fira Sans Condensed ExtraLight"/>
+                <a:sym typeface="Fira Sans Condensed ExtraLight"/>
+              </a:defRPr>
+            </a:lvl6pPr>
+            <a:lvl7pPr marL="3200400" marR="0" lvl="6" indent="-298450" algn="l" rtl="0">
+              <a:lnSpc>
+                <a:spcPct val="100000"/>
+              </a:lnSpc>
+              <a:spcBef>
+                <a:spcPts val="0"/>
+              </a:spcBef>
+              <a:spcAft>
+                <a:spcPts val="0"/>
+              </a:spcAft>
+              <a:buClr>
+                <a:srgbClr val="20293B"/>
+              </a:buClr>
+              <a:buSzPts val="1400"/>
+              <a:buFont typeface="Arial"/>
+              <a:buChar char="●"/>
+              <a:defRPr sz="2800" b="0" i="0" u="none" strike="noStrike" cap="none">
+                <a:solidFill>
+                  <a:srgbClr val="EFEFEF"/>
+                </a:solidFill>
+                <a:latin typeface="Fira Sans Condensed ExtraLight"/>
+                <a:ea typeface="Fira Sans Condensed ExtraLight"/>
+                <a:cs typeface="Fira Sans Condensed ExtraLight"/>
+                <a:sym typeface="Fira Sans Condensed ExtraLight"/>
+              </a:defRPr>
+            </a:lvl7pPr>
+            <a:lvl8pPr marL="3657600" marR="0" lvl="7" indent="-298450" algn="l" rtl="0">
+              <a:lnSpc>
+                <a:spcPct val="100000"/>
+              </a:lnSpc>
+              <a:spcBef>
+                <a:spcPts val="0"/>
+              </a:spcBef>
+              <a:spcAft>
+                <a:spcPts val="0"/>
+              </a:spcAft>
+              <a:buClr>
+                <a:srgbClr val="20293B"/>
+              </a:buClr>
+              <a:buSzPts val="1400"/>
+              <a:buFont typeface="Arial"/>
+              <a:buChar char="○"/>
+              <a:defRPr sz="2800" b="0" i="0" u="none" strike="noStrike" cap="none">
+                <a:solidFill>
+                  <a:srgbClr val="EFEFEF"/>
+                </a:solidFill>
+                <a:latin typeface="Fira Sans Condensed ExtraLight"/>
+                <a:ea typeface="Fira Sans Condensed ExtraLight"/>
+                <a:cs typeface="Fira Sans Condensed ExtraLight"/>
+                <a:sym typeface="Fira Sans Condensed ExtraLight"/>
+              </a:defRPr>
+            </a:lvl8pPr>
+            <a:lvl9pPr marL="4114800" marR="0" lvl="8" indent="-298450" algn="l" rtl="0">
+              <a:lnSpc>
+                <a:spcPct val="100000"/>
+              </a:lnSpc>
+              <a:spcBef>
+                <a:spcPts val="0"/>
+              </a:spcBef>
+              <a:spcAft>
+                <a:spcPts val="0"/>
+              </a:spcAft>
+              <a:buClr>
+                <a:srgbClr val="20293B"/>
+              </a:buClr>
+              <a:buSzPts val="1400"/>
+              <a:buFont typeface="Arial"/>
+              <a:buChar char="■"/>
+              <a:defRPr sz="2800" b="0" i="0" u="none" strike="noStrike" cap="none">
+                <a:solidFill>
+                  <a:srgbClr val="EFEFEF"/>
+                </a:solidFill>
+                <a:latin typeface="Fira Sans Condensed ExtraLight"/>
+                <a:ea typeface="Fira Sans Condensed ExtraLight"/>
+                <a:cs typeface="Fira Sans Condensed ExtraLight"/>
+                <a:sym typeface="Fira Sans Condensed ExtraLight"/>
+              </a:defRPr>
+            </a:lvl9pPr>
+          </a:lstStyle>
+          <a:p>
+            <a:pPr>
+              <a:buClr>
+                <a:srgbClr val="FFFFFF"/>
+              </a:buClr>
+              <a:buSzPts val="1100"/>
+            </a:pPr>
+            <a:r>
+              <a:rPr lang="nl-BE" sz="1600" dirty="0">
+                <a:solidFill>
+                  <a:srgbClr val="FFFFFF"/>
+                </a:solidFill>
+                <a:latin typeface="Dosis ExtraLight"/>
+                <a:sym typeface="Dosis ExtraLight"/>
+              </a:rPr>
+              <a:t>Onderzoek over inkomende data verwerken</a:t>
+            </a:r>
+          </a:p>
+          <a:p>
+            <a:pPr>
+              <a:buClr>
+                <a:srgbClr val="FFFFFF"/>
+              </a:buClr>
+              <a:buSzPts val="1100"/>
+            </a:pPr>
+            <a:r>
+              <a:rPr lang="nl-BE" sz="1600" dirty="0">
+                <a:solidFill>
+                  <a:srgbClr val="FFFFFF"/>
+                </a:solidFill>
+                <a:latin typeface="Dosis ExtraLight"/>
+                <a:sym typeface="Dosis ExtraLight"/>
+              </a:rPr>
+              <a:t>Python programma gemaakt </a:t>
+            </a:r>
+            <a:r>
+              <a:rPr lang="nl-BE" sz="1600" dirty="0">
+                <a:solidFill>
+                  <a:srgbClr val="FFFFFF"/>
+                </a:solidFill>
+                <a:latin typeface="Dosis ExtraLight"/>
+                <a:sym typeface="Wingdings" panose="05000000000000000000" pitchFamily="2" charset="2"/>
+              </a:rPr>
+              <a:t> </a:t>
+            </a:r>
+            <a:r>
+              <a:rPr lang="nl-BE" sz="1600" dirty="0" err="1">
+                <a:solidFill>
+                  <a:srgbClr val="FFFFFF"/>
+                </a:solidFill>
+                <a:latin typeface="Dosis ExtraLight"/>
+                <a:sym typeface="Dosis ExtraLight"/>
+              </a:rPr>
+              <a:t>mimic</a:t>
+            </a:r>
+            <a:r>
+              <a:rPr lang="nl-BE" sz="1600" dirty="0">
+                <a:solidFill>
+                  <a:srgbClr val="FFFFFF"/>
+                </a:solidFill>
+                <a:latin typeface="Dosis ExtraLight"/>
+                <a:sym typeface="Dosis ExtraLight"/>
+              </a:rPr>
+              <a:t> data creëren voor testen</a:t>
+            </a:r>
+          </a:p>
+          <a:p>
+            <a:pPr>
+              <a:buClr>
+                <a:srgbClr val="FFFFFF"/>
+              </a:buClr>
+              <a:buSzPts val="1100"/>
+            </a:pPr>
+            <a:r>
+              <a:rPr lang="nl-BE" sz="1600" dirty="0" err="1">
+                <a:solidFill>
+                  <a:srgbClr val="FFFFFF"/>
+                </a:solidFill>
+                <a:latin typeface="Dosis ExtraLight"/>
+                <a:sym typeface="Dosis ExtraLight"/>
+              </a:rPr>
+              <a:t>Mimic</a:t>
+            </a:r>
+            <a:r>
+              <a:rPr lang="nl-BE" sz="1600" dirty="0">
+                <a:solidFill>
+                  <a:srgbClr val="FFFFFF"/>
+                </a:solidFill>
+                <a:latin typeface="Dosis ExtraLight"/>
+                <a:sym typeface="Dosis ExtraLight"/>
+              </a:rPr>
+              <a:t> data in een SQL tabel opgeslagen</a:t>
+            </a:r>
+          </a:p>
+          <a:p>
+            <a:pPr>
+              <a:buClr>
+                <a:srgbClr val="FFFFFF"/>
+              </a:buClr>
+              <a:buSzPts val="1100"/>
+            </a:pPr>
+            <a:r>
+              <a:rPr lang="nl-BE" sz="1600" dirty="0">
+                <a:solidFill>
+                  <a:srgbClr val="FFFFFF"/>
+                </a:solidFill>
+                <a:latin typeface="Dosis ExtraLight"/>
+                <a:sym typeface="Dosis ExtraLight"/>
+              </a:rPr>
+              <a:t>Enkel python zonder </a:t>
+            </a:r>
+            <a:r>
+              <a:rPr lang="nl-BE" sz="1600" dirty="0" err="1">
+                <a:solidFill>
+                  <a:srgbClr val="FFFFFF"/>
+                </a:solidFill>
+                <a:latin typeface="Dosis ExtraLight"/>
+                <a:sym typeface="Dosis ExtraLight"/>
+              </a:rPr>
+              <a:t>php</a:t>
+            </a:r>
+            <a:r>
+              <a:rPr lang="nl-BE" sz="1600" dirty="0">
+                <a:solidFill>
+                  <a:srgbClr val="FFFFFF"/>
+                </a:solidFill>
+                <a:latin typeface="Dosis ExtraLight"/>
+                <a:sym typeface="Dosis ExtraLight"/>
+              </a:rPr>
+              <a:t> scripts</a:t>
+            </a:r>
+          </a:p>
+          <a:p>
+            <a:pPr>
+              <a:buClr>
+                <a:srgbClr val="FFFFFF"/>
+              </a:buClr>
+              <a:buSzPts val="1100"/>
+            </a:pPr>
+            <a:r>
+              <a:rPr lang="nl-BE" sz="1600" dirty="0">
+                <a:solidFill>
+                  <a:srgbClr val="FFFFFF"/>
+                </a:solidFill>
+                <a:latin typeface="Dosis ExtraLight"/>
+                <a:sym typeface="Dosis ExtraLight"/>
+              </a:rPr>
+              <a:t>Een grafiek met Node.js van test data geprobeerd om te maken</a:t>
+            </a:r>
+          </a:p>
+          <a:p>
+            <a:pPr>
+              <a:buClr>
+                <a:srgbClr val="FFFFFF"/>
+              </a:buClr>
+              <a:buSzPts val="1100"/>
+            </a:pPr>
+            <a:endParaRPr lang="nl-BE" sz="1600" dirty="0">
+              <a:solidFill>
+                <a:srgbClr val="FFFFFF"/>
+              </a:solidFill>
+              <a:latin typeface="Dosis ExtraLight"/>
+              <a:sym typeface="Dosis ExtraLight"/>
+            </a:endParaRPr>
+          </a:p>
+          <a:p>
+            <a:pPr>
+              <a:buClr>
+                <a:srgbClr val="FFFFFF"/>
+              </a:buClr>
+              <a:buSzPts val="1100"/>
+            </a:pPr>
+            <a:endParaRPr lang="en-US" sz="1600" dirty="0">
+              <a:solidFill>
+                <a:srgbClr val="FFFFFF"/>
+              </a:solidFill>
+              <a:latin typeface="Dosis ExtraLight"/>
+              <a:sym typeface="Dosis ExtraLight"/>
+            </a:endParaRPr>
           </a:p>
         </p:txBody>
       </p:sp>
     </p:spTree>
     <p:extLst>
       <p:ext uri="{BB962C8B-B14F-4D97-AF65-F5344CB8AC3E}">
-        <p14:creationId xmlns:p14="http://schemas.microsoft.com/office/powerpoint/2010/main" val="4118249496"/>
+        <p14:creationId xmlns:p14="http://schemas.microsoft.com/office/powerpoint/2010/main" val="1590616550"/>
       </p:ext>
     </p:extLst>
   </p:cSld>
   <p:clrMapOvr>
     <a:masterClrMapping/>
   </p:clrMapOvr>
-  <p:timing>
-    <p:tnLst>
-      <p:par>
-        <p:cTn id="1" dur="indefinite" restart="never" nodeType="tmRoot"/>
-      </p:par>
-    </p:tnLst>
-  </p:timing>
 </p:sld>
 </file>
 
@@ -6698,17 +6972,7 @@
                 <a:latin typeface="Dosis ExtraLight"/>
                 <a:sym typeface="Dosis ExtraLight"/>
               </a:rPr>
-              <a:t>AMQP server setup </a:t>
-            </a:r>
-            <a:r>
-              <a:rPr lang="en-US" sz="1600">
-                <a:solidFill>
-                  <a:srgbClr val="FFFFFF"/>
-                </a:solidFill>
-                <a:latin typeface="Dosis ExtraLight"/>
-                <a:sym typeface="Dosis ExtraLight"/>
-              </a:rPr>
-              <a:t>/ research</a:t>
+              <a:t>AMQP server setup / research</a:t>
             </a:r>
           </a:p>
           <a:p>
@@ -6719,24 +6983,14 @@
               <a:buSzPts val="1100"/>
             </a:pPr>
             <a:r>
-              <a:rPr lang="en-US" sz="1600">
+              <a:rPr lang="en-US" sz="1600" dirty="0">
                 <a:solidFill>
                   <a:srgbClr val="FFFFFF"/>
                 </a:solidFill>
                 <a:latin typeface="Dosis ExtraLight"/>
                 <a:sym typeface="Dosis ExtraLight"/>
               </a:rPr>
-              <a:t>(</a:t>
-            </a:r>
-            <a:r>
-              <a:rPr lang="en-US" sz="1600" dirty="0">
-                <a:solidFill>
-                  <a:srgbClr val="FFFFFF"/>
-                </a:solidFill>
-                <a:latin typeface="Dosis ExtraLight"/>
-                <a:sym typeface="Dosis ExtraLight"/>
-              </a:rPr>
-              <a:t>MQTT ?)</a:t>
+              <a:t>(MQTT ?)</a:t>
             </a:r>
           </a:p>
         </p:txBody>
@@ -6874,13 +7128,6 @@
   <p:clrMapOvr>
     <a:masterClrMapping/>
   </p:clrMapOvr>
-  <p:timing>
-    <p:tnLst>
-      <p:par>
-        <p:cTn id="1" dur="indefinite" restart="never" nodeType="tmRoot"/>
-      </p:par>
-    </p:tnLst>
-  </p:timing>
 </p:sld>
 </file>
 

--- a/Presentaties/2Wekelijkse PowerPoint/nieuweppt.pptx
+++ b/Presentaties/2Wekelijkse PowerPoint/nieuweppt.pptx
@@ -4315,7 +4315,7 @@
                 <a:spcPts val="0"/>
               </a:spcBef>
               <a:spcAft>
-                <a:spcPts val="0"/>
+                <a:spcPts val="600"/>
               </a:spcAft>
               <a:buClr>
                 <a:srgbClr val="FFFFFF"/>
@@ -4343,7 +4343,7 @@
                 <a:spcPts val="0"/>
               </a:spcBef>
               <a:spcAft>
-                <a:spcPts val="0"/>
+                <a:spcPts val="600"/>
               </a:spcAft>
               <a:buClr>
                 <a:srgbClr val="FFFFFF"/>
@@ -4380,7 +4380,7 @@
                 <a:spcPts val="0"/>
               </a:spcBef>
               <a:spcAft>
-                <a:spcPts val="0"/>
+                <a:spcPts val="600"/>
               </a:spcAft>
               <a:buClr>
                 <a:srgbClr val="FFFFFF"/>
@@ -4408,7 +4408,7 @@
                 <a:spcPts val="0"/>
               </a:spcBef>
               <a:spcAft>
-                <a:spcPts val="0"/>
+                <a:spcPts val="600"/>
               </a:spcAft>
               <a:buClr>
                 <a:srgbClr val="FFFFFF"/>
@@ -4436,7 +4436,7 @@
                 <a:spcPts val="0"/>
               </a:spcBef>
               <a:spcAft>
-                <a:spcPts val="0"/>
+                <a:spcPts val="600"/>
               </a:spcAft>
               <a:buClr>
                 <a:srgbClr val="FFFFFF"/>
@@ -4602,6 +4602,9 @@
           <a:lstStyle/>
           <a:p>
             <a:pPr marL="158750" lvl="0" indent="0">
+              <a:spcAft>
+                <a:spcPts val="600"/>
+              </a:spcAft>
               <a:buClr>
                 <a:srgbClr val="FFFFFF"/>
               </a:buClr>
@@ -4623,6 +4626,9 @@
           </a:p>
           <a:p>
             <a:pPr lvl="0">
+              <a:spcAft>
+                <a:spcPts val="600"/>
+              </a:spcAft>
               <a:buClr>
                 <a:srgbClr val="FFFFFF"/>
               </a:buClr>
@@ -4705,6 +4711,9 @@
           </a:p>
           <a:p>
             <a:pPr lvl="0">
+              <a:spcAft>
+                <a:spcPts val="600"/>
+              </a:spcAft>
               <a:buClr>
                 <a:srgbClr val="FFFFFF"/>
               </a:buClr>
@@ -5837,6 +5846,9 @@
           <a:lstStyle/>
           <a:p>
             <a:pPr>
+              <a:spcAft>
+                <a:spcPts val="600"/>
+              </a:spcAft>
               <a:buClr>
                 <a:srgbClr val="FFFFFF"/>
               </a:buClr>
@@ -5875,6 +5887,9 @@
           </a:p>
           <a:p>
             <a:pPr>
+              <a:spcAft>
+                <a:spcPts val="600"/>
+              </a:spcAft>
               <a:buClr>
                 <a:srgbClr val="FFFFFF"/>
               </a:buClr>
@@ -5913,6 +5928,9 @@
           </a:p>
           <a:p>
             <a:pPr>
+              <a:spcAft>
+                <a:spcPts val="600"/>
+              </a:spcAft>
               <a:buClr>
                 <a:srgbClr val="FFFFFF"/>
               </a:buClr>
@@ -5948,6 +5966,9 @@
           </a:p>
           <a:p>
             <a:pPr>
+              <a:spcAft>
+                <a:spcPts val="600"/>
+              </a:spcAft>
               <a:buClr>
                 <a:srgbClr val="FFFFFF"/>
               </a:buClr>
@@ -5966,6 +5987,9 @@
           </a:p>
           <a:p>
             <a:pPr>
+              <a:spcAft>
+                <a:spcPts val="600"/>
+              </a:spcAft>
               <a:buClr>
                 <a:srgbClr val="FFFFFF"/>
               </a:buClr>
@@ -6112,7 +6136,7 @@
                 <a:latin typeface="Dosis ExtraLight"/>
                 <a:sym typeface="Abel"/>
               </a:rPr>
-              <a:t>6</a:t>
+              <a:t>5</a:t>
             </a:r>
           </a:p>
         </p:txBody>
@@ -6655,6 +6679,9 @@
           </a:lstStyle>
           <a:p>
             <a:pPr>
+              <a:spcAft>
+                <a:spcPts val="600"/>
+              </a:spcAft>
               <a:buClr>
                 <a:srgbClr val="FFFFFF"/>
               </a:buClr>
@@ -6673,6 +6700,9 @@
           </a:p>
           <a:p>
             <a:pPr>
+              <a:spcAft>
+                <a:spcPts val="600"/>
+              </a:spcAft>
               <a:buClr>
                 <a:srgbClr val="FFFFFF"/>
               </a:buClr>
@@ -6721,6 +6751,9 @@
           </a:p>
           <a:p>
             <a:pPr>
+              <a:spcAft>
+                <a:spcPts val="600"/>
+              </a:spcAft>
               <a:buClr>
                 <a:srgbClr val="FFFFFF"/>
               </a:buClr>
@@ -6749,6 +6782,9 @@
           </a:p>
           <a:p>
             <a:pPr>
+              <a:spcAft>
+                <a:spcPts val="600"/>
+              </a:spcAft>
               <a:buClr>
                 <a:srgbClr val="FFFFFF"/>
               </a:buClr>
@@ -6787,6 +6823,9 @@
           </a:p>
           <a:p>
             <a:pPr>
+              <a:spcAft>
+                <a:spcPts val="600"/>
+              </a:spcAft>
               <a:buClr>
                 <a:srgbClr val="FFFFFF"/>
               </a:buClr>
@@ -6800,7 +6839,7 @@
                 <a:latin typeface="Dosis ExtraLight"/>
                 <a:sym typeface="Dosis ExtraLight"/>
               </a:rPr>
-              <a:t>Een grafiek met Node.js van test data geprobeerd om te maken</a:t>
+              <a:t>Node.js grafiek van test data </a:t>
             </a:r>
           </a:p>
           <a:p>
@@ -6941,6 +6980,9 @@
           <a:lstStyle/>
           <a:p>
             <a:pPr>
+              <a:spcAft>
+                <a:spcPts val="600"/>
+              </a:spcAft>
               <a:buClr>
                 <a:srgbClr val="FFFFFF"/>
               </a:buClr>
@@ -6959,6 +7001,9 @@
           </a:p>
           <a:p>
             <a:pPr>
+              <a:spcAft>
+                <a:spcPts val="600"/>
+              </a:spcAft>
               <a:buClr>
                 <a:srgbClr val="FFFFFF"/>
               </a:buClr>
@@ -6977,6 +7022,9 @@
           </a:p>
           <a:p>
             <a:pPr>
+              <a:spcAft>
+                <a:spcPts val="600"/>
+              </a:spcAft>
               <a:buClr>
                 <a:srgbClr val="FFFFFF"/>
               </a:buClr>
@@ -7113,7 +7161,7 @@
                 <a:latin typeface="Dosis ExtraLight"/>
                 <a:sym typeface="Abel"/>
               </a:rPr>
-              <a:t>8</a:t>
+              <a:t>7</a:t>
             </a:r>
           </a:p>
         </p:txBody>

--- a/Presentaties/2Wekelijkse PowerPoint/nieuweppt.pptx
+++ b/Presentaties/2Wekelijkse PowerPoint/nieuweppt.pptx
@@ -1518,7 +1518,92 @@
               </a:spcAft>
               <a:buNone/>
             </a:pPr>
-            <a:endParaRPr/>
+            <a:r>
+              <a:rPr lang="nl-BE" dirty="0"/>
+              <a:t>In de paper vermelden </a:t>
+            </a:r>
+            <a:r>
+              <a:rPr lang="nl-BE" dirty="0" err="1"/>
+              <a:t>amqp</a:t>
+            </a:r>
+            <a:r>
+              <a:rPr lang="nl-BE" dirty="0"/>
+              <a:t> vermelden waarom niet </a:t>
+            </a:r>
+          </a:p>
+          <a:p>
+            <a:pPr marL="0" lvl="0" indent="0" algn="l" rtl="0">
+              <a:spcBef>
+                <a:spcPts val="0"/>
+              </a:spcBef>
+              <a:spcAft>
+                <a:spcPts val="0"/>
+              </a:spcAft>
+              <a:buNone/>
+            </a:pPr>
+            <a:r>
+              <a:rPr lang="nl-BE" dirty="0"/>
+              <a:t>Sorteren vertalen en in database</a:t>
+            </a:r>
+          </a:p>
+          <a:p>
+            <a:pPr marL="0" lvl="0" indent="0" algn="l" rtl="0">
+              <a:spcBef>
+                <a:spcPts val="0"/>
+              </a:spcBef>
+              <a:spcAft>
+                <a:spcPts val="0"/>
+              </a:spcAft>
+              <a:buNone/>
+            </a:pPr>
+            <a:r>
+              <a:rPr lang="nl-BE" dirty="0"/>
+              <a:t>Client </a:t>
+            </a:r>
+            <a:r>
+              <a:rPr lang="nl-BE" dirty="0" err="1"/>
+              <a:t>node,js</a:t>
+            </a:r>
+            <a:endParaRPr lang="nl-BE" dirty="0"/>
+          </a:p>
+          <a:p>
+            <a:pPr marL="0" lvl="0" indent="0" algn="l" rtl="0">
+              <a:spcBef>
+                <a:spcPts val="0"/>
+              </a:spcBef>
+              <a:spcAft>
+                <a:spcPts val="0"/>
+              </a:spcAft>
+              <a:buNone/>
+            </a:pPr>
+            <a:r>
+              <a:rPr lang="nl-BE" dirty="0"/>
+              <a:t>Vermelden dat </a:t>
+            </a:r>
+            <a:r>
+              <a:rPr lang="nl-BE" dirty="0" err="1"/>
+              <a:t>heroku</a:t>
+            </a:r>
+            <a:r>
+              <a:rPr lang="nl-BE" dirty="0"/>
+              <a:t>/python ook kunnen link met smart systems</a:t>
+            </a:r>
+          </a:p>
+          <a:p>
+            <a:pPr marL="0" lvl="0" indent="0" algn="l" rtl="0">
+              <a:spcBef>
+                <a:spcPts val="0"/>
+              </a:spcBef>
+              <a:spcAft>
+                <a:spcPts val="0"/>
+              </a:spcAft>
+              <a:buNone/>
+            </a:pPr>
+            <a:r>
+              <a:rPr lang="nl-BE" dirty="0"/>
+              <a:t>Externe services = communicatie externe bedrijven/ voorspellingen van weer en buienradar</a:t>
+            </a:r>
+            <a:endParaRPr dirty="0"/>
           </a:p>
         </p:txBody>
       </p:sp>
@@ -5598,7 +5683,7 @@
         </p:blipFill>
         <p:spPr bwMode="auto">
           <a:xfrm>
-            <a:off x="4194313" y="6875"/>
+            <a:off x="4194313" y="0"/>
             <a:ext cx="4949686" cy="5143500"/>
           </a:xfrm>
           <a:prstGeom prst="rect">
@@ -6912,6 +6997,53 @@
           <a:chExt cx="0" cy="0"/>
         </a:xfrm>
       </p:grpSpPr>
+      <p:pic>
+        <p:nvPicPr>
+          <p:cNvPr id="7" name="Picture 2">
+            <a:extLst>
+              <a:ext uri="{FF2B5EF4-FFF2-40B4-BE49-F238E27FC236}">
+                <a16:creationId xmlns:a16="http://schemas.microsoft.com/office/drawing/2014/main" id="{8A08CF40-BC1D-455F-B6D3-A6B0A078386D}"/>
+              </a:ext>
+            </a:extLst>
+          </p:cNvPr>
+          <p:cNvPicPr>
+            <a:picLocks noChangeAspect="1" noChangeArrowheads="1"/>
+          </p:cNvPicPr>
+          <p:nvPr/>
+        </p:nvPicPr>
+        <p:blipFill>
+          <a:blip r:embed="rId3">
+            <a:extLst>
+              <a:ext uri="{28A0092B-C50C-407E-A947-70E740481C1C}">
+                <a14:useLocalDpi xmlns:a14="http://schemas.microsoft.com/office/drawing/2010/main" val="0"/>
+              </a:ext>
+            </a:extLst>
+          </a:blip>
+          <a:srcRect/>
+          <a:stretch>
+            <a:fillRect/>
+          </a:stretch>
+        </p:blipFill>
+        <p:spPr bwMode="auto">
+          <a:xfrm>
+            <a:off x="4194313" y="0"/>
+            <a:ext cx="4949686" cy="5143500"/>
+          </a:xfrm>
+          <a:prstGeom prst="rect">
+            <a:avLst/>
+          </a:prstGeom>
+          <a:noFill/>
+          <a:extLst>
+            <a:ext uri="{909E8E84-426E-40DD-AFC4-6F175D3DCCD1}">
+              <a14:hiddenFill xmlns:a14="http://schemas.microsoft.com/office/drawing/2010/main">
+                <a:solidFill>
+                  <a:srgbClr val="FFFFFF"/>
+                </a:solidFill>
+              </a14:hiddenFill>
+            </a:ext>
+          </a:extLst>
+        </p:spPr>
+      </p:pic>
       <p:sp>
         <p:nvSpPr>
           <p:cNvPr id="317" name="Google Shape;317;p22"/>
@@ -7075,7 +7207,7 @@
             <a:r>
               <a:rPr lang="nl-BE" sz="1200" dirty="0" err="1">
                 <a:solidFill>
-                  <a:schemeClr val="tx1"/>
+                  <a:schemeClr val="bg2"/>
                 </a:solidFill>
                 <a:latin typeface="Dosis ExtraLight"/>
                 <a:sym typeface="Abel"/>
@@ -7085,7 +7217,7 @@
             <a:r>
               <a:rPr lang="nl-BE" sz="1200" dirty="0">
                 <a:solidFill>
-                  <a:schemeClr val="tx1"/>
+                  <a:schemeClr val="bg2"/>
                 </a:solidFill>
                 <a:latin typeface="Dosis ExtraLight"/>
                 <a:sym typeface="Abel"/>
@@ -7095,7 +7227,7 @@
             <a:r>
               <a:rPr lang="nl-BE" sz="1200" dirty="0" err="1">
                 <a:solidFill>
-                  <a:schemeClr val="tx1"/>
+                  <a:schemeClr val="bg2"/>
                 </a:solidFill>
                 <a:latin typeface="Dosis ExtraLight"/>
                 <a:sym typeface="Abel"/>
@@ -7105,7 +7237,7 @@
             <a:r>
               <a:rPr lang="nl-BE" sz="1200" dirty="0">
                 <a:solidFill>
-                  <a:schemeClr val="tx1"/>
+                  <a:schemeClr val="bg2"/>
                 </a:solidFill>
                 <a:latin typeface="Dosis ExtraLight"/>
                 <a:sym typeface="Abel"/>
@@ -7115,7 +7247,7 @@
             <a:r>
               <a:rPr lang="nl-BE" sz="1200" b="1" dirty="0">
                 <a:solidFill>
-                  <a:schemeClr val="tx1"/>
+                  <a:schemeClr val="bg2"/>
                 </a:solidFill>
                 <a:latin typeface="Dosis ExtraLight"/>
                 <a:sym typeface="Abel"/>
